--- a/linsley_postdoc/presentations/weekly_meetings/1_10_24.pptx
+++ b/linsley_postdoc/presentations/weekly_meetings/1_10_24.pptx
@@ -12,12 +12,12 @@
     <p:sldId id="499" r:id="rId3"/>
     <p:sldId id="506" r:id="rId4"/>
     <p:sldId id="521" r:id="rId5"/>
-    <p:sldId id="505" r:id="rId6"/>
-    <p:sldId id="525" r:id="rId7"/>
-    <p:sldId id="520" r:id="rId8"/>
-    <p:sldId id="524" r:id="rId9"/>
-    <p:sldId id="519" r:id="rId10"/>
-    <p:sldId id="527" r:id="rId11"/>
+    <p:sldId id="527" r:id="rId6"/>
+    <p:sldId id="505" r:id="rId7"/>
+    <p:sldId id="525" r:id="rId8"/>
+    <p:sldId id="520" r:id="rId9"/>
+    <p:sldId id="524" r:id="rId10"/>
+    <p:sldId id="519" r:id="rId11"/>
     <p:sldId id="522" r:id="rId12"/>
     <p:sldId id="526" r:id="rId13"/>
     <p:sldId id="523" r:id="rId14"/>
@@ -220,7 +220,7 @@
           <a:p>
             <a:fld id="{E933A773-0DCE-3544-BB67-D5FA58DF903C}" type="datetimeFigureOut">
               <a:rPr lang="en-US" smtClean="0"/>
-              <a:t>1/9/24</a:t>
+              <a:t>1/10/24</a:t>
             </a:fld>
             <a:endParaRPr lang="en-US"/>
           </a:p>
@@ -615,38 +615,6 @@
           <a:bodyPr/>
           <a:lstStyle/>
           <a:p>
-            <a:r>
-              <a:rPr lang="en-US" b="0" dirty="0">
-                <a:solidFill>
-                  <a:srgbClr val="CCCCCC"/>
-                </a:solidFill>
-                <a:effectLst/>
-                <a:latin typeface="Menlo" panose="020B0609030804020204" pitchFamily="49" charset="0"/>
-              </a:rPr>
-              <a:t>Fewer Tregs associated with </a:t>
-            </a:r>
-            <a:r>
-              <a:rPr lang="en-US" b="0" dirty="0" err="1">
-                <a:solidFill>
-                  <a:srgbClr val="CCCCCC"/>
-                </a:solidFill>
-                <a:effectLst/>
-                <a:latin typeface="Menlo" panose="020B0609030804020204" pitchFamily="49" charset="0"/>
-              </a:rPr>
-              <a:t>irAEs</a:t>
-            </a:r>
-            <a:r>
-              <a:rPr lang="en-US" b="0" dirty="0">
-                <a:solidFill>
-                  <a:srgbClr val="CCCCCC"/>
-                </a:solidFill>
-                <a:effectLst/>
-                <a:latin typeface="Menlo" panose="020B0609030804020204" pitchFamily="49" charset="0"/>
-              </a:rPr>
-              <a:t> in literature, don’t see that here though, don’t even see ICI decreasing Tregs…</a:t>
-            </a:r>
-          </a:p>
-          <a:p>
             <a:endParaRPr lang="en-US" b="0" dirty="0">
               <a:solidFill>
                 <a:srgbClr val="CCCCCC"/>
@@ -655,119 +623,6 @@
               <a:latin typeface="Menlo" panose="020B0609030804020204" pitchFamily="49" charset="0"/>
             </a:endParaRPr>
           </a:p>
-          <a:p>
-            <a:r>
-              <a:rPr lang="en-US" b="0" dirty="0">
-                <a:solidFill>
-                  <a:srgbClr val="CCCCCC"/>
-                </a:solidFill>
-                <a:effectLst/>
-                <a:latin typeface="Menlo" panose="020B0609030804020204" pitchFamily="49" charset="0"/>
-              </a:rPr>
-              <a:t>Wilcox rank sum test doesn’t assume equal variances (t test does)</a:t>
-            </a:r>
-          </a:p>
-          <a:p>
-            <a:endParaRPr lang="en-US" b="0" dirty="0">
-              <a:solidFill>
-                <a:srgbClr val="CCCCCC"/>
-              </a:solidFill>
-              <a:effectLst/>
-              <a:latin typeface="Menlo" panose="020B0609030804020204" pitchFamily="49" charset="0"/>
-            </a:endParaRPr>
-          </a:p>
-          <a:p>
-            <a:pPr marL="0" marR="0" lvl="0" indent="0" algn="l" defTabSz="914400" rtl="0" eaLnBrk="1" fontAlgn="auto" latinLnBrk="0" hangingPunct="1">
-              <a:lnSpc>
-                <a:spcPct val="100000"/>
-              </a:lnSpc>
-              <a:spcBef>
-                <a:spcPts val="0"/>
-              </a:spcBef>
-              <a:spcAft>
-                <a:spcPts val="0"/>
-              </a:spcAft>
-              <a:buClrTx/>
-              <a:buSzTx/>
-              <a:buFontTx/>
-              <a:buNone/>
-              <a:tabLst/>
-              <a:defRPr/>
-            </a:pPr>
-            <a:r>
-              <a:rPr lang="en-US" b="1" dirty="0"/>
-              <a:t>~similar to what I see here: low baseline circulating MAITs associated with </a:t>
-            </a:r>
-            <a:r>
-              <a:rPr lang="en-US" b="1" dirty="0" err="1"/>
-              <a:t>irAE</a:t>
-            </a:r>
-            <a:r>
-              <a:rPr lang="en-US" b="1" dirty="0"/>
-              <a:t> colitis (PMID: 32734627)</a:t>
-            </a:r>
-          </a:p>
-          <a:p>
-            <a:pPr marL="0" marR="0" lvl="0" indent="0" algn="l" defTabSz="914400" rtl="0" eaLnBrk="1" fontAlgn="auto" latinLnBrk="0" hangingPunct="1">
-              <a:lnSpc>
-                <a:spcPct val="100000"/>
-              </a:lnSpc>
-              <a:spcBef>
-                <a:spcPts val="0"/>
-              </a:spcBef>
-              <a:spcAft>
-                <a:spcPts val="0"/>
-              </a:spcAft>
-              <a:buClrTx/>
-              <a:buSzTx/>
-              <a:buFontTx/>
-              <a:buNone/>
-              <a:tabLst/>
-              <a:defRPr/>
-            </a:pPr>
-            <a:endParaRPr lang="en-US" b="1" dirty="0"/>
-          </a:p>
-          <a:p>
-            <a:pPr marL="0" marR="0" lvl="0" indent="0" algn="l" defTabSz="914400" rtl="0" eaLnBrk="1" fontAlgn="auto" latinLnBrk="0" hangingPunct="1">
-              <a:lnSpc>
-                <a:spcPct val="100000"/>
-              </a:lnSpc>
-              <a:spcBef>
-                <a:spcPts val="0"/>
-              </a:spcBef>
-              <a:spcAft>
-                <a:spcPts val="0"/>
-              </a:spcAft>
-              <a:buClrTx/>
-              <a:buSzTx/>
-              <a:buFontTx/>
-              <a:buNone/>
-              <a:tabLst/>
-              <a:defRPr/>
-            </a:pPr>
-            <a:r>
-              <a:rPr lang="en-US" b="1" dirty="0"/>
-              <a:t>~opposite to what I see here: activated CD4 TEM abundance (in PBMCs) associated with </a:t>
-            </a:r>
-            <a:r>
-              <a:rPr lang="en-US" b="1" dirty="0" err="1"/>
-              <a:t>irAE</a:t>
-            </a:r>
-            <a:r>
-              <a:rPr lang="en-US" b="1" dirty="0"/>
-              <a:t> development (</a:t>
-            </a:r>
-            <a:r>
-              <a:rPr lang="en-US" b="1" i="0" strike="noStrike" dirty="0">
-                <a:effectLst/>
-              </a:rPr>
-              <a:t>PMID: 35027754</a:t>
-            </a:r>
-            <a:r>
-              <a:rPr lang="en-US" b="1" dirty="0"/>
-              <a:t>)</a:t>
-            </a:r>
-          </a:p>
         </p:txBody>
       </p:sp>
       <p:sp>
@@ -796,7 +651,7 @@
     </p:spTree>
     <p:extLst>
       <p:ext uri="{BB962C8B-B14F-4D97-AF65-F5344CB8AC3E}">
-        <p14:creationId xmlns:p14="http://schemas.microsoft.com/office/powerpoint/2010/main" val="1613119316"/>
+        <p14:creationId xmlns:p14="http://schemas.microsoft.com/office/powerpoint/2010/main" val="906140516"/>
       </p:ext>
     </p:extLst>
   </p:cSld>
@@ -1677,23 +1532,12 @@
             <p:ph type="body" idx="1"/>
           </p:nvPr>
         </p:nvSpPr>
-        <p:spPr>
-          <a:xfrm>
-            <a:off x="685800" y="4220528"/>
-            <a:ext cx="5486400" cy="3960495"/>
-          </a:xfrm>
-        </p:spPr>
+        <p:spPr/>
         <p:txBody>
           <a:bodyPr/>
           <a:lstStyle/>
           <a:p>
-            <a:endParaRPr lang="en-US" b="0" dirty="0">
-              <a:solidFill>
-                <a:srgbClr val="CCCCCC"/>
-              </a:solidFill>
-              <a:effectLst/>
-              <a:latin typeface="Menlo" panose="020B0609030804020204" pitchFamily="49" charset="0"/>
-            </a:endParaRPr>
+            <a:endParaRPr lang="en-US" b="0" dirty="0"/>
           </a:p>
         </p:txBody>
       </p:sp>
@@ -1723,7 +1567,7 @@
     </p:spTree>
     <p:extLst>
       <p:ext uri="{BB962C8B-B14F-4D97-AF65-F5344CB8AC3E}">
-        <p14:creationId xmlns:p14="http://schemas.microsoft.com/office/powerpoint/2010/main" val="313742005"/>
+        <p14:creationId xmlns:p14="http://schemas.microsoft.com/office/powerpoint/2010/main" val="2304078798"/>
       </p:ext>
     </p:extLst>
   </p:cSld>
@@ -1818,7 +1662,7 @@
     </p:spTree>
     <p:extLst>
       <p:ext uri="{BB962C8B-B14F-4D97-AF65-F5344CB8AC3E}">
-        <p14:creationId xmlns:p14="http://schemas.microsoft.com/office/powerpoint/2010/main" val="532067067"/>
+        <p14:creationId xmlns:p14="http://schemas.microsoft.com/office/powerpoint/2010/main" val="313742005"/>
       </p:ext>
     </p:extLst>
   </p:cSld>
@@ -1869,38 +1713,21 @@
         </p:nvSpPr>
         <p:spPr>
           <a:xfrm>
-            <a:off x="133792" y="4564207"/>
-            <a:ext cx="6638544" cy="3273136"/>
+            <a:off x="685800" y="4220528"/>
+            <a:ext cx="5486400" cy="3960495"/>
           </a:xfrm>
         </p:spPr>
         <p:txBody>
           <a:bodyPr/>
           <a:lstStyle/>
           <a:p>
-            <a:r>
-              <a:rPr lang="en-US" sz="2000" dirty="0">
-                <a:effectLst/>
-              </a:rPr>
-              <a:t>CD4 TEM TRB CDR3 length</a:t>
-            </a:r>
-          </a:p>
-          <a:p>
-            <a:pPr lvl="1"/>
-            <a:r>
-              <a:rPr lang="en-US" sz="1600" dirty="0">
-                <a:effectLst/>
-              </a:rPr>
-              <a:t>Colitis down: 10-40%, 70-80%</a:t>
-            </a:r>
-          </a:p>
-          <a:p>
-            <a:pPr lvl="1"/>
-            <a:r>
-              <a:rPr lang="en-US" sz="1600" dirty="0">
-                <a:effectLst/>
-              </a:rPr>
-              <a:t>Colitis norm: 30, 70%</a:t>
-            </a:r>
+            <a:endParaRPr lang="en-US" b="0" dirty="0">
+              <a:solidFill>
+                <a:srgbClr val="CCCCCC"/>
+              </a:solidFill>
+              <a:effectLst/>
+              <a:latin typeface="Menlo" panose="020B0609030804020204" pitchFamily="49" charset="0"/>
+            </a:endParaRPr>
           </a:p>
         </p:txBody>
       </p:sp>
@@ -1930,7 +1757,7 @@
     </p:spTree>
     <p:extLst>
       <p:ext uri="{BB962C8B-B14F-4D97-AF65-F5344CB8AC3E}">
-        <p14:creationId xmlns:p14="http://schemas.microsoft.com/office/powerpoint/2010/main" val="2327222038"/>
+        <p14:creationId xmlns:p14="http://schemas.microsoft.com/office/powerpoint/2010/main" val="532067067"/>
       </p:ext>
     </p:extLst>
   </p:cSld>
@@ -1979,18 +1806,40 @@
             <p:ph type="body" idx="1"/>
           </p:nvPr>
         </p:nvSpPr>
-        <p:spPr/>
+        <p:spPr>
+          <a:xfrm>
+            <a:off x="133792" y="4564207"/>
+            <a:ext cx="6638544" cy="3273136"/>
+          </a:xfrm>
+        </p:spPr>
         <p:txBody>
           <a:bodyPr/>
           <a:lstStyle/>
           <a:p>
-            <a:endParaRPr lang="en-US" b="0" dirty="0">
-              <a:solidFill>
-                <a:srgbClr val="CCCCCC"/>
-              </a:solidFill>
-              <a:effectLst/>
-              <a:latin typeface="Menlo" panose="020B0609030804020204" pitchFamily="49" charset="0"/>
-            </a:endParaRPr>
+            <a:r>
+              <a:rPr lang="en-US" sz="2000" dirty="0">
+                <a:effectLst/>
+              </a:rPr>
+              <a:t>CD4 TEM TRB CDR3 length</a:t>
+            </a:r>
+          </a:p>
+          <a:p>
+            <a:pPr lvl="1"/>
+            <a:r>
+              <a:rPr lang="en-US" sz="1600" dirty="0">
+                <a:effectLst/>
+              </a:rPr>
+              <a:t>Colitis down: 10-40%, 70-80%</a:t>
+            </a:r>
+          </a:p>
+          <a:p>
+            <a:pPr lvl="1"/>
+            <a:r>
+              <a:rPr lang="en-US" sz="1600" dirty="0">
+                <a:effectLst/>
+              </a:rPr>
+              <a:t>Colitis norm: 30, 70%</a:t>
+            </a:r>
           </a:p>
         </p:txBody>
       </p:sp>
@@ -2020,7 +1869,7 @@
     </p:spTree>
     <p:extLst>
       <p:ext uri="{BB962C8B-B14F-4D97-AF65-F5344CB8AC3E}">
-        <p14:creationId xmlns:p14="http://schemas.microsoft.com/office/powerpoint/2010/main" val="1028129820"/>
+        <p14:creationId xmlns:p14="http://schemas.microsoft.com/office/powerpoint/2010/main" val="2327222038"/>
       </p:ext>
     </p:extLst>
   </p:cSld>
@@ -2110,7 +1959,7 @@
     </p:spTree>
     <p:extLst>
       <p:ext uri="{BB962C8B-B14F-4D97-AF65-F5344CB8AC3E}">
-        <p14:creationId xmlns:p14="http://schemas.microsoft.com/office/powerpoint/2010/main" val="906140516"/>
+        <p14:creationId xmlns:p14="http://schemas.microsoft.com/office/powerpoint/2010/main" val="1028129820"/>
       </p:ext>
     </p:extLst>
   </p:cSld>
@@ -2267,7 +2116,7 @@
           <a:p>
             <a:fld id="{80FC6068-BAFB-FC44-B9D8-F4B3BB105DE6}" type="datetimeFigureOut">
               <a:rPr lang="en-US" smtClean="0"/>
-              <a:t>1/9/24</a:t>
+              <a:t>1/10/24</a:t>
             </a:fld>
             <a:endParaRPr lang="en-US"/>
           </a:p>
@@ -2465,7 +2314,7 @@
           <a:p>
             <a:fld id="{80FC6068-BAFB-FC44-B9D8-F4B3BB105DE6}" type="datetimeFigureOut">
               <a:rPr lang="en-US" smtClean="0"/>
-              <a:t>1/9/24</a:t>
+              <a:t>1/10/24</a:t>
             </a:fld>
             <a:endParaRPr lang="en-US"/>
           </a:p>
@@ -2673,7 +2522,7 @@
           <a:p>
             <a:fld id="{80FC6068-BAFB-FC44-B9D8-F4B3BB105DE6}" type="datetimeFigureOut">
               <a:rPr lang="en-US" smtClean="0"/>
-              <a:t>1/9/24</a:t>
+              <a:t>1/10/24</a:t>
             </a:fld>
             <a:endParaRPr lang="en-US"/>
           </a:p>
@@ -2877,7 +2726,7 @@
           <a:p>
             <a:fld id="{80FC6068-BAFB-FC44-B9D8-F4B3BB105DE6}" type="datetimeFigureOut">
               <a:rPr lang="en-US" smtClean="0"/>
-              <a:t>1/9/24</a:t>
+              <a:t>1/10/24</a:t>
             </a:fld>
             <a:endParaRPr lang="en-US"/>
           </a:p>
@@ -3168,7 +3017,7 @@
           <a:p>
             <a:fld id="{80FC6068-BAFB-FC44-B9D8-F4B3BB105DE6}" type="datetimeFigureOut">
               <a:rPr lang="en-US" smtClean="0"/>
-              <a:t>1/9/24</a:t>
+              <a:t>1/10/24</a:t>
             </a:fld>
             <a:endParaRPr lang="en-US"/>
           </a:p>
@@ -3433,7 +3282,7 @@
           <a:p>
             <a:fld id="{80FC6068-BAFB-FC44-B9D8-F4B3BB105DE6}" type="datetimeFigureOut">
               <a:rPr lang="en-US" smtClean="0"/>
-              <a:t>1/9/24</a:t>
+              <a:t>1/10/24</a:t>
             </a:fld>
             <a:endParaRPr lang="en-US"/>
           </a:p>
@@ -3845,7 +3694,7 @@
           <a:p>
             <a:fld id="{80FC6068-BAFB-FC44-B9D8-F4B3BB105DE6}" type="datetimeFigureOut">
               <a:rPr lang="en-US" smtClean="0"/>
-              <a:t>1/9/24</a:t>
+              <a:t>1/10/24</a:t>
             </a:fld>
             <a:endParaRPr lang="en-US"/>
           </a:p>
@@ -3986,7 +3835,7 @@
           <a:p>
             <a:fld id="{80FC6068-BAFB-FC44-B9D8-F4B3BB105DE6}" type="datetimeFigureOut">
               <a:rPr lang="en-US" smtClean="0"/>
-              <a:t>1/9/24</a:t>
+              <a:t>1/10/24</a:t>
             </a:fld>
             <a:endParaRPr lang="en-US"/>
           </a:p>
@@ -4099,7 +3948,7 @@
           <a:p>
             <a:fld id="{80FC6068-BAFB-FC44-B9D8-F4B3BB105DE6}" type="datetimeFigureOut">
               <a:rPr lang="en-US" smtClean="0"/>
-              <a:t>1/9/24</a:t>
+              <a:t>1/10/24</a:t>
             </a:fld>
             <a:endParaRPr lang="en-US"/>
           </a:p>
@@ -4410,7 +4259,7 @@
           <a:p>
             <a:fld id="{80FC6068-BAFB-FC44-B9D8-F4B3BB105DE6}" type="datetimeFigureOut">
               <a:rPr lang="en-US" smtClean="0"/>
-              <a:t>1/9/24</a:t>
+              <a:t>1/10/24</a:t>
             </a:fld>
             <a:endParaRPr lang="en-US"/>
           </a:p>
@@ -4698,7 +4547,7 @@
           <a:p>
             <a:fld id="{80FC6068-BAFB-FC44-B9D8-F4B3BB105DE6}" type="datetimeFigureOut">
               <a:rPr lang="en-US" smtClean="0"/>
-              <a:t>1/9/24</a:t>
+              <a:t>1/10/24</a:t>
             </a:fld>
             <a:endParaRPr lang="en-US"/>
           </a:p>
@@ -4939,7 +4788,7 @@
           <a:p>
             <a:fld id="{80FC6068-BAFB-FC44-B9D8-F4B3BB105DE6}" type="datetimeFigureOut">
               <a:rPr lang="en-US" smtClean="0"/>
-              <a:t>1/9/24</a:t>
+              <a:t>1/10/24</a:t>
             </a:fld>
             <a:endParaRPr lang="en-US"/>
           </a:p>
@@ -5409,7 +5258,7 @@
           <a:p>
             <a:r>
               <a:rPr lang="en-US" dirty="0"/>
-              <a:t>1 11 2024</a:t>
+              <a:t>1 10 2024</a:t>
             </a:r>
           </a:p>
           <a:p>
@@ -5450,36 +5299,6 @@
           <a:chExt cx="0" cy="0"/>
         </a:xfrm>
       </p:grpSpPr>
-      <p:pic>
-        <p:nvPicPr>
-          <p:cNvPr id="6" name="Picture 5">
-            <a:extLst>
-              <a:ext uri="{FF2B5EF4-FFF2-40B4-BE49-F238E27FC236}">
-                <a16:creationId xmlns:a16="http://schemas.microsoft.com/office/drawing/2014/main" id="{5DE8FA55-C9B5-0FD6-D2C0-F7897C5D17C9}"/>
-              </a:ext>
-            </a:extLst>
-          </p:cNvPr>
-          <p:cNvPicPr>
-            <a:picLocks noChangeAspect="1"/>
-          </p:cNvPicPr>
-          <p:nvPr/>
-        </p:nvPicPr>
-        <p:blipFill>
-          <a:blip r:embed="rId3"/>
-          <a:stretch>
-            <a:fillRect/>
-          </a:stretch>
-        </p:blipFill>
-        <p:spPr>
-          <a:xfrm>
-            <a:off x="436880" y="2290563"/>
-            <a:ext cx="5257800" cy="3193058"/>
-          </a:xfrm>
-          <a:prstGeom prst="rect">
-            <a:avLst/>
-          </a:prstGeom>
-        </p:spPr>
-      </p:pic>
       <p:sp>
         <p:nvSpPr>
           <p:cNvPr id="2" name="Title 1">
@@ -5499,7 +5318,7 @@
         <p:spPr>
           <a:xfrm>
             <a:off x="838200" y="593725"/>
-            <a:ext cx="10515600" cy="1325563"/>
+            <a:ext cx="3561080" cy="1325563"/>
           </a:xfrm>
         </p:spPr>
         <p:txBody>
@@ -5509,518 +5328,134 @@
           <a:lstStyle/>
           <a:p>
             <a:r>
-              <a:rPr lang="en-US" sz="3600" dirty="0" err="1"/>
-              <a:t>Downsampled</a:t>
-            </a:r>
-            <a:r>
-              <a:rPr lang="en-US" sz="3600" dirty="0"/>
-              <a:t> colitis dataset shows same cell type abundances differences (boxplot)</a:t>
-            </a:r>
-          </a:p>
-        </p:txBody>
-      </p:sp>
-      <p:sp>
-        <p:nvSpPr>
-          <p:cNvPr id="7" name="TextBox 6">
-            <a:extLst>
-              <a:ext uri="{FF2B5EF4-FFF2-40B4-BE49-F238E27FC236}">
-                <a16:creationId xmlns:a16="http://schemas.microsoft.com/office/drawing/2014/main" id="{33AC99D1-BBFB-364D-C93D-F9EFA893D647}"/>
-              </a:ext>
-            </a:extLst>
-          </p:cNvPr>
-          <p:cNvSpPr txBox="1"/>
-          <p:nvPr/>
+              <a:rPr lang="en-US" dirty="0"/>
+              <a:t>Next steps</a:t>
+            </a:r>
+          </a:p>
+        </p:txBody>
+      </p:sp>
+      <p:sp>
+        <p:nvSpPr>
+          <p:cNvPr id="3" name="Content Placeholder 2">
+            <a:extLst>
+              <a:ext uri="{FF2B5EF4-FFF2-40B4-BE49-F238E27FC236}">
+                <a16:creationId xmlns:a16="http://schemas.microsoft.com/office/drawing/2014/main" id="{B9501834-7B32-1ACA-4358-B630FB8EEC36}"/>
+              </a:ext>
+            </a:extLst>
+          </p:cNvPr>
+          <p:cNvSpPr>
+            <a:spLocks noGrp="1"/>
+          </p:cNvSpPr>
+          <p:nvPr>
+            <p:ph idx="1"/>
+          </p:nvPr>
         </p:nvSpPr>
         <p:spPr>
           <a:xfrm>
-            <a:off x="1528417" y="1934528"/>
-            <a:ext cx="3267882" cy="369332"/>
+            <a:off x="838200" y="1919289"/>
+            <a:ext cx="10215880" cy="4623402"/>
           </a:xfrm>
-          <a:prstGeom prst="rect">
-            <a:avLst/>
-          </a:prstGeom>
-          <a:noFill/>
         </p:spPr>
         <p:txBody>
-          <a:bodyPr wrap="none" rtlCol="0">
-            <a:spAutoFit/>
+          <a:bodyPr>
+            <a:normAutofit/>
           </a:bodyPr>
           <a:lstStyle/>
           <a:p>
             <a:r>
-              <a:rPr lang="en-US" dirty="0"/>
-              <a:t>Normalized by sequencing depth</a:t>
-            </a:r>
-          </a:p>
-        </p:txBody>
-      </p:sp>
-      <p:sp>
-        <p:nvSpPr>
-          <p:cNvPr id="9" name="TextBox 8">
-            <a:extLst>
-              <a:ext uri="{FF2B5EF4-FFF2-40B4-BE49-F238E27FC236}">
-                <a16:creationId xmlns:a16="http://schemas.microsoft.com/office/drawing/2014/main" id="{4FD04972-7431-A8DF-F214-0CA56CC31F94}"/>
-              </a:ext>
-            </a:extLst>
-          </p:cNvPr>
-          <p:cNvSpPr txBox="1"/>
-          <p:nvPr/>
-        </p:nvSpPr>
-        <p:spPr>
-          <a:xfrm>
-            <a:off x="3897425" y="6496687"/>
-            <a:ext cx="3594510" cy="307777"/>
-          </a:xfrm>
-          <a:prstGeom prst="rect">
-            <a:avLst/>
-          </a:prstGeom>
-          <a:noFill/>
-        </p:spPr>
-        <p:txBody>
-          <a:bodyPr wrap="none" rtlCol="0">
-            <a:spAutoFit/>
-          </a:bodyPr>
-          <a:lstStyle/>
-          <a:p>
-            <a:r>
-              <a:rPr lang="en-US" sz="1400" dirty="0"/>
-              <a:t>Wilcoxon rank sum test.</a:t>
-            </a:r>
-            <a:r>
-              <a:rPr lang="en-US" sz="1400" dirty="0">
-                <a:cs typeface="Times New Roman" panose="02020603050405020304" pitchFamily="18" charset="0"/>
-              </a:rPr>
-              <a:t> </a:t>
-            </a:r>
-            <a:r>
-              <a:rPr lang="en-US" sz="1400" dirty="0">
-                <a:effectLst/>
-                <a:ea typeface="Calibri" panose="020F0502020204030204" pitchFamily="34" charset="0"/>
-                <a:cs typeface="Times New Roman" panose="02020603050405020304" pitchFamily="18" charset="0"/>
-              </a:rPr>
-              <a:t>**, p &lt;1e-2; *; p &lt;0.05</a:t>
-            </a:r>
-            <a:endParaRPr lang="en-US" sz="1400" b="0" i="0" u="none" strike="noStrike" dirty="0">
-              <a:solidFill>
-                <a:srgbClr val="212121"/>
-              </a:solidFill>
-              <a:effectLst/>
-            </a:endParaRPr>
-          </a:p>
-        </p:txBody>
-      </p:sp>
-      <p:sp>
-        <p:nvSpPr>
-          <p:cNvPr id="10" name="TextBox 9">
-            <a:extLst>
-              <a:ext uri="{FF2B5EF4-FFF2-40B4-BE49-F238E27FC236}">
-                <a16:creationId xmlns:a16="http://schemas.microsoft.com/office/drawing/2014/main" id="{CEE05D2D-A200-4B71-9407-51E00BEE8CB1}"/>
-              </a:ext>
-            </a:extLst>
-          </p:cNvPr>
-          <p:cNvSpPr txBox="1"/>
-          <p:nvPr/>
-        </p:nvSpPr>
-        <p:spPr>
-          <a:xfrm>
-            <a:off x="2112194" y="2719309"/>
-            <a:ext cx="674399" cy="369332"/>
-          </a:xfrm>
-          <a:prstGeom prst="rect">
-            <a:avLst/>
-          </a:prstGeom>
-          <a:noFill/>
-        </p:spPr>
-        <p:txBody>
-          <a:bodyPr wrap="square" rtlCol="0">
-            <a:spAutoFit/>
-          </a:bodyPr>
-          <a:lstStyle/>
-          <a:p>
-            <a:r>
-              <a:rPr lang="en-US" dirty="0"/>
-              <a:t>**</a:t>
-            </a:r>
-          </a:p>
-        </p:txBody>
-      </p:sp>
-      <p:sp>
-        <p:nvSpPr>
-          <p:cNvPr id="11" name="TextBox 10">
-            <a:extLst>
-              <a:ext uri="{FF2B5EF4-FFF2-40B4-BE49-F238E27FC236}">
-                <a16:creationId xmlns:a16="http://schemas.microsoft.com/office/drawing/2014/main" id="{9B3A035E-CF79-F577-26A2-9DDBF7593AB8}"/>
-              </a:ext>
-            </a:extLst>
-          </p:cNvPr>
-          <p:cNvSpPr txBox="1"/>
-          <p:nvPr/>
-        </p:nvSpPr>
-        <p:spPr>
-          <a:xfrm>
-            <a:off x="4092283" y="2741325"/>
-            <a:ext cx="674399" cy="369332"/>
-          </a:xfrm>
-          <a:prstGeom prst="rect">
-            <a:avLst/>
-          </a:prstGeom>
-          <a:noFill/>
-        </p:spPr>
-        <p:txBody>
-          <a:bodyPr wrap="square" rtlCol="0">
-            <a:spAutoFit/>
-          </a:bodyPr>
-          <a:lstStyle/>
-          <a:p>
-            <a:r>
-              <a:rPr lang="en-US" dirty="0"/>
-              <a:t>**</a:t>
-            </a:r>
-          </a:p>
-        </p:txBody>
-      </p:sp>
-      <p:sp>
-        <p:nvSpPr>
-          <p:cNvPr id="12" name="TextBox 11">
-            <a:extLst>
-              <a:ext uri="{FF2B5EF4-FFF2-40B4-BE49-F238E27FC236}">
-                <a16:creationId xmlns:a16="http://schemas.microsoft.com/office/drawing/2014/main" id="{851B0F4D-1B2B-499E-62ED-A459DCDF2C0D}"/>
-              </a:ext>
-            </a:extLst>
-          </p:cNvPr>
-          <p:cNvSpPr txBox="1"/>
-          <p:nvPr/>
-        </p:nvSpPr>
-        <p:spPr>
-          <a:xfrm>
-            <a:off x="1454424" y="2729248"/>
-            <a:ext cx="674399" cy="369332"/>
-          </a:xfrm>
-          <a:prstGeom prst="rect">
-            <a:avLst/>
-          </a:prstGeom>
-          <a:noFill/>
-        </p:spPr>
-        <p:txBody>
-          <a:bodyPr wrap="square" rtlCol="0">
-            <a:spAutoFit/>
-          </a:bodyPr>
-          <a:lstStyle/>
-          <a:p>
-            <a:r>
-              <a:rPr lang="en-US" dirty="0"/>
-              <a:t>**</a:t>
-            </a:r>
-          </a:p>
-        </p:txBody>
-      </p:sp>
-      <p:sp>
-        <p:nvSpPr>
-          <p:cNvPr id="13" name="TextBox 12">
-            <a:extLst>
-              <a:ext uri="{FF2B5EF4-FFF2-40B4-BE49-F238E27FC236}">
-                <a16:creationId xmlns:a16="http://schemas.microsoft.com/office/drawing/2014/main" id="{47BF5AFD-0B8A-DF3B-9573-2866AF4DB562}"/>
-              </a:ext>
-            </a:extLst>
-          </p:cNvPr>
-          <p:cNvSpPr txBox="1"/>
-          <p:nvPr/>
-        </p:nvSpPr>
-        <p:spPr>
-          <a:xfrm>
-            <a:off x="2825159" y="2722936"/>
-            <a:ext cx="674399" cy="369332"/>
-          </a:xfrm>
-          <a:prstGeom prst="rect">
-            <a:avLst/>
-          </a:prstGeom>
-          <a:noFill/>
-        </p:spPr>
-        <p:txBody>
-          <a:bodyPr wrap="square" rtlCol="0">
-            <a:spAutoFit/>
-          </a:bodyPr>
-          <a:lstStyle/>
-          <a:p>
-            <a:r>
-              <a:rPr lang="en-US" dirty="0"/>
-              <a:t>*</a:t>
-            </a:r>
-          </a:p>
-        </p:txBody>
-      </p:sp>
-      <p:sp>
-        <p:nvSpPr>
-          <p:cNvPr id="14" name="TextBox 13">
-            <a:extLst>
-              <a:ext uri="{FF2B5EF4-FFF2-40B4-BE49-F238E27FC236}">
-                <a16:creationId xmlns:a16="http://schemas.microsoft.com/office/drawing/2014/main" id="{6A946E68-5EFE-F2FA-4842-A758670F4EFB}"/>
-              </a:ext>
-            </a:extLst>
-          </p:cNvPr>
-          <p:cNvSpPr txBox="1"/>
-          <p:nvPr/>
-        </p:nvSpPr>
-        <p:spPr>
-          <a:xfrm>
-            <a:off x="3453112" y="2722364"/>
-            <a:ext cx="674399" cy="369332"/>
-          </a:xfrm>
-          <a:prstGeom prst="rect">
-            <a:avLst/>
-          </a:prstGeom>
-          <a:noFill/>
-        </p:spPr>
-        <p:txBody>
-          <a:bodyPr wrap="square" rtlCol="0">
-            <a:spAutoFit/>
-          </a:bodyPr>
-          <a:lstStyle/>
-          <a:p>
-            <a:r>
-              <a:rPr lang="en-US" dirty="0"/>
-              <a:t>**</a:t>
-            </a:r>
-          </a:p>
-        </p:txBody>
-      </p:sp>
-      <p:pic>
-        <p:nvPicPr>
-          <p:cNvPr id="8" name="Picture 7">
-            <a:extLst>
-              <a:ext uri="{FF2B5EF4-FFF2-40B4-BE49-F238E27FC236}">
-                <a16:creationId xmlns:a16="http://schemas.microsoft.com/office/drawing/2014/main" id="{E1D680AF-6615-5248-88CD-7A90397D5B61}"/>
-              </a:ext>
-            </a:extLst>
-          </p:cNvPr>
-          <p:cNvPicPr>
-            <a:picLocks noChangeAspect="1"/>
-          </p:cNvPicPr>
-          <p:nvPr/>
-        </p:nvPicPr>
-        <p:blipFill>
-          <a:blip r:embed="rId4"/>
-          <a:stretch>
-            <a:fillRect/>
-          </a:stretch>
-        </p:blipFill>
-        <p:spPr>
-          <a:xfrm>
-            <a:off x="6438404" y="2290563"/>
-            <a:ext cx="5234143" cy="3193058"/>
-          </a:xfrm>
-          <a:prstGeom prst="rect">
-            <a:avLst/>
-          </a:prstGeom>
-        </p:spPr>
-      </p:pic>
-      <p:sp>
-        <p:nvSpPr>
-          <p:cNvPr id="4" name="TextBox 3">
-            <a:extLst>
-              <a:ext uri="{FF2B5EF4-FFF2-40B4-BE49-F238E27FC236}">
-                <a16:creationId xmlns:a16="http://schemas.microsoft.com/office/drawing/2014/main" id="{0B607B22-3EB2-DFCF-1109-ADE9B14B6EB4}"/>
-              </a:ext>
-            </a:extLst>
-          </p:cNvPr>
-          <p:cNvSpPr txBox="1"/>
-          <p:nvPr/>
-        </p:nvSpPr>
-        <p:spPr>
-          <a:xfrm>
-            <a:off x="8081934" y="1919288"/>
-            <a:ext cx="1531894" cy="369332"/>
-          </a:xfrm>
-          <a:prstGeom prst="rect">
-            <a:avLst/>
-          </a:prstGeom>
-          <a:noFill/>
-        </p:spPr>
-        <p:txBody>
-          <a:bodyPr wrap="none" rtlCol="0">
-            <a:spAutoFit/>
-          </a:bodyPr>
-          <a:lstStyle/>
-          <a:p>
+              <a:rPr lang="en-US" sz="2800" dirty="0"/>
+              <a:t>Heatmaps</a:t>
+            </a:r>
+          </a:p>
+          <a:p>
+            <a:pPr lvl="1"/>
+            <a:r>
+              <a:rPr lang="en-US" dirty="0"/>
+              <a:t>Finer binning?</a:t>
+            </a:r>
+          </a:p>
+          <a:p>
+            <a:pPr lvl="1"/>
+            <a:r>
+              <a:rPr lang="en-US" dirty="0"/>
+              <a:t>Update Wilcox test to be one-sided for summary CD8 TEM TRB heatmap since I know effect direction (less germline-like, longer CDR3s in </a:t>
+            </a:r>
             <a:r>
               <a:rPr lang="en-US" dirty="0" err="1"/>
-              <a:t>Downsampled</a:t>
-            </a:r>
-            <a:endParaRPr lang="en-US" dirty="0"/>
-          </a:p>
-        </p:txBody>
-      </p:sp>
-      <p:sp>
-        <p:nvSpPr>
-          <p:cNvPr id="15" name="TextBox 14">
-            <a:extLst>
-              <a:ext uri="{FF2B5EF4-FFF2-40B4-BE49-F238E27FC236}">
-                <a16:creationId xmlns:a16="http://schemas.microsoft.com/office/drawing/2014/main" id="{BCDD32FC-0432-4D50-23A3-A0E0F91687DF}"/>
-              </a:ext>
-            </a:extLst>
-          </p:cNvPr>
-          <p:cNvSpPr txBox="1"/>
-          <p:nvPr/>
-        </p:nvSpPr>
-        <p:spPr>
-          <a:xfrm>
-            <a:off x="8059023" y="2637879"/>
-            <a:ext cx="674399" cy="369332"/>
-          </a:xfrm>
-          <a:prstGeom prst="rect">
-            <a:avLst/>
-          </a:prstGeom>
-          <a:noFill/>
-        </p:spPr>
-        <p:txBody>
-          <a:bodyPr wrap="square" rtlCol="0">
-            <a:spAutoFit/>
-          </a:bodyPr>
-          <a:lstStyle/>
-          <a:p>
-            <a:r>
-              <a:rPr lang="en-US" dirty="0"/>
-              <a:t>**</a:t>
-            </a:r>
-          </a:p>
-        </p:txBody>
-      </p:sp>
-      <p:sp>
-        <p:nvSpPr>
-          <p:cNvPr id="16" name="TextBox 15">
-            <a:extLst>
-              <a:ext uri="{FF2B5EF4-FFF2-40B4-BE49-F238E27FC236}">
-                <a16:creationId xmlns:a16="http://schemas.microsoft.com/office/drawing/2014/main" id="{34D79130-86FD-589C-B636-5F6D60947F86}"/>
-              </a:ext>
-            </a:extLst>
-          </p:cNvPr>
-          <p:cNvSpPr txBox="1"/>
-          <p:nvPr/>
-        </p:nvSpPr>
-        <p:spPr>
-          <a:xfrm>
-            <a:off x="10079752" y="2659895"/>
-            <a:ext cx="674399" cy="369332"/>
-          </a:xfrm>
-          <a:prstGeom prst="rect">
-            <a:avLst/>
-          </a:prstGeom>
-          <a:noFill/>
-        </p:spPr>
-        <p:txBody>
-          <a:bodyPr wrap="square" rtlCol="0">
-            <a:spAutoFit/>
-          </a:bodyPr>
-          <a:lstStyle/>
-          <a:p>
-            <a:r>
-              <a:rPr lang="en-US" dirty="0"/>
-              <a:t>**</a:t>
-            </a:r>
-          </a:p>
-        </p:txBody>
-      </p:sp>
-      <p:sp>
-        <p:nvSpPr>
-          <p:cNvPr id="18" name="TextBox 17">
-            <a:extLst>
-              <a:ext uri="{FF2B5EF4-FFF2-40B4-BE49-F238E27FC236}">
-                <a16:creationId xmlns:a16="http://schemas.microsoft.com/office/drawing/2014/main" id="{1A8866CD-A18A-2D1E-E73E-1480EB7A72F6}"/>
-              </a:ext>
-            </a:extLst>
-          </p:cNvPr>
-          <p:cNvSpPr txBox="1"/>
-          <p:nvPr/>
-        </p:nvSpPr>
-        <p:spPr>
-          <a:xfrm>
-            <a:off x="7360613" y="2647818"/>
-            <a:ext cx="674399" cy="369332"/>
-          </a:xfrm>
-          <a:prstGeom prst="rect">
-            <a:avLst/>
-          </a:prstGeom>
-          <a:noFill/>
-        </p:spPr>
-        <p:txBody>
-          <a:bodyPr wrap="square" rtlCol="0">
-            <a:spAutoFit/>
-          </a:bodyPr>
-          <a:lstStyle/>
-          <a:p>
-            <a:r>
-              <a:rPr lang="en-US" dirty="0"/>
-              <a:t>**</a:t>
-            </a:r>
-          </a:p>
-        </p:txBody>
-      </p:sp>
-      <p:sp>
-        <p:nvSpPr>
-          <p:cNvPr id="19" name="TextBox 18">
-            <a:extLst>
-              <a:ext uri="{FF2B5EF4-FFF2-40B4-BE49-F238E27FC236}">
-                <a16:creationId xmlns:a16="http://schemas.microsoft.com/office/drawing/2014/main" id="{89A26572-E29E-3837-2E8C-ACD7B611FC2D}"/>
-              </a:ext>
-            </a:extLst>
-          </p:cNvPr>
-          <p:cNvSpPr txBox="1"/>
-          <p:nvPr/>
-        </p:nvSpPr>
-        <p:spPr>
-          <a:xfrm>
-            <a:off x="8792308" y="2641506"/>
-            <a:ext cx="674399" cy="369332"/>
-          </a:xfrm>
-          <a:prstGeom prst="rect">
-            <a:avLst/>
-          </a:prstGeom>
-          <a:noFill/>
-        </p:spPr>
-        <p:txBody>
-          <a:bodyPr wrap="square" rtlCol="0">
-            <a:spAutoFit/>
-          </a:bodyPr>
-          <a:lstStyle/>
-          <a:p>
-            <a:r>
-              <a:rPr lang="en-US" dirty="0"/>
-              <a:t>*</a:t>
-            </a:r>
-          </a:p>
-        </p:txBody>
-      </p:sp>
-      <p:sp>
-        <p:nvSpPr>
-          <p:cNvPr id="20" name="TextBox 19">
-            <a:extLst>
-              <a:ext uri="{FF2B5EF4-FFF2-40B4-BE49-F238E27FC236}">
-                <a16:creationId xmlns:a16="http://schemas.microsoft.com/office/drawing/2014/main" id="{640B551A-7B9E-8211-5B8B-360208AB6C49}"/>
-              </a:ext>
-            </a:extLst>
-          </p:cNvPr>
-          <p:cNvSpPr txBox="1"/>
-          <p:nvPr/>
-        </p:nvSpPr>
-        <p:spPr>
-          <a:xfrm>
-            <a:off x="9399941" y="2640934"/>
-            <a:ext cx="674399" cy="369332"/>
-          </a:xfrm>
-          <a:prstGeom prst="rect">
-            <a:avLst/>
-          </a:prstGeom>
-          <a:noFill/>
-        </p:spPr>
-        <p:txBody>
-          <a:bodyPr wrap="square" rtlCol="0">
-            <a:spAutoFit/>
-          </a:bodyPr>
-          <a:lstStyle/>
-          <a:p>
-            <a:r>
-              <a:rPr lang="en-US" dirty="0"/>
-              <a:t>**</a:t>
+              <a:t>irAE</a:t>
+            </a:r>
+            <a:r>
+              <a:rPr lang="en-US" dirty="0"/>
+              <a:t> group)</a:t>
+            </a:r>
+          </a:p>
+          <a:p>
+            <a:r>
+              <a:rPr lang="en-US" dirty="0"/>
+              <a:t>Prepare for…</a:t>
+            </a:r>
+          </a:p>
+          <a:p>
+            <a:pPr lvl="1"/>
+            <a:r>
+              <a:rPr lang="en-US" dirty="0"/>
+              <a:t>1/16 JC</a:t>
+            </a:r>
+          </a:p>
+          <a:p>
+            <a:pPr lvl="2"/>
+            <a:r>
+              <a:rPr lang="en-US" dirty="0"/>
+              <a:t>use </a:t>
+            </a:r>
+            <a:r>
+              <a:rPr lang="en-US" dirty="0" err="1"/>
+              <a:t>RNAseq</a:t>
+            </a:r>
+            <a:r>
+              <a:rPr lang="en-US" dirty="0"/>
+              <a:t> to call TCR clonotypes</a:t>
+            </a:r>
+          </a:p>
+          <a:p>
+            <a:pPr lvl="2"/>
+            <a:r>
+              <a:rPr lang="en-US" dirty="0"/>
+              <a:t>only captures top clonotypes but maybe that’s all I’m interested in anyways for seeing if highly expanded CD8 TEM TRB </a:t>
+            </a:r>
+            <a:r>
+              <a:rPr lang="en-US" dirty="0" err="1"/>
+              <a:t>pgen</a:t>
+            </a:r>
+            <a:r>
+              <a:rPr lang="en-US" dirty="0"/>
+              <a:t>/CDR3 length effects are present in other </a:t>
+            </a:r>
+            <a:r>
+              <a:rPr lang="en-US" dirty="0" err="1"/>
+              <a:t>RNAseq</a:t>
+            </a:r>
+            <a:r>
+              <a:rPr lang="en-US" dirty="0"/>
+              <a:t> datasets</a:t>
+            </a:r>
+          </a:p>
+          <a:p>
+            <a:pPr lvl="1"/>
+            <a:r>
+              <a:rPr lang="en-US" dirty="0" err="1"/>
+              <a:t>ATACseq</a:t>
+            </a:r>
+            <a:r>
+              <a:rPr lang="en-US" dirty="0"/>
+              <a:t> data</a:t>
+            </a:r>
+          </a:p>
+          <a:p>
+            <a:pPr lvl="1"/>
+            <a:r>
+              <a:rPr lang="en-US" dirty="0"/>
+              <a:t>2/1 SI talk (will have draft of slides for 1/25 weekly meeting)</a:t>
             </a:r>
           </a:p>
         </p:txBody>
@@ -6028,7 +5463,7 @@
     </p:spTree>
     <p:extLst>
       <p:ext uri="{BB962C8B-B14F-4D97-AF65-F5344CB8AC3E}">
-        <p14:creationId xmlns:p14="http://schemas.microsoft.com/office/powerpoint/2010/main" val="639746255"/>
+        <p14:creationId xmlns:p14="http://schemas.microsoft.com/office/powerpoint/2010/main" val="1759230395"/>
       </p:ext>
     </p:extLst>
   </p:cSld>
@@ -7032,7 +6467,7 @@
         </p:blipFill>
         <p:spPr>
           <a:xfrm>
-            <a:off x="6096000" y="2227045"/>
+            <a:off x="6096000" y="2531845"/>
             <a:ext cx="5257800" cy="3193058"/>
           </a:xfrm>
           <a:prstGeom prst="rect">
@@ -7070,7 +6505,7 @@
           <a:p>
             <a:r>
               <a:rPr lang="en-US" sz="3600" dirty="0"/>
-              <a:t>More proliferating T cells, fewer memory T cells (CD4 TEM, CD8 TCM), fewer MAITs in colitis </a:t>
+              <a:t>More proliferating T cells, fewer memory T cells (CD4 TEM, CD8 TCM), fewer MAITs in </a:t>
             </a:r>
             <a:r>
               <a:rPr lang="en-US" sz="3600" dirty="0" err="1"/>
@@ -7078,7 +6513,7 @@
             </a:r>
             <a:r>
               <a:rPr lang="en-US" sz="3600" dirty="0"/>
-              <a:t> tissue: normalized by sequencing depth approach</a:t>
+              <a:t> colitis tissue: normalized by sequencing depth approach</a:t>
             </a:r>
           </a:p>
         </p:txBody>
@@ -7097,7 +6532,7 @@
         </p:nvSpPr>
         <p:spPr>
           <a:xfrm>
-            <a:off x="1920240" y="1902263"/>
+            <a:off x="1920240" y="2207063"/>
             <a:ext cx="2031838" cy="369332"/>
           </a:xfrm>
           <a:prstGeom prst="rect">
@@ -7132,7 +6567,7 @@
         </p:nvSpPr>
         <p:spPr>
           <a:xfrm>
-            <a:off x="7972803" y="1902263"/>
+            <a:off x="7972803" y="2207063"/>
             <a:ext cx="1504194" cy="369332"/>
           </a:xfrm>
           <a:prstGeom prst="rect">
@@ -7167,7 +6602,7 @@
         </p:nvSpPr>
         <p:spPr>
           <a:xfrm>
-            <a:off x="6687024" y="5591472"/>
+            <a:off x="6687024" y="5896272"/>
             <a:ext cx="3594510" cy="307777"/>
           </a:xfrm>
           <a:prstGeom prst="rect">
@@ -7222,7 +6657,7 @@
         </p:nvSpPr>
         <p:spPr>
           <a:xfrm>
-            <a:off x="7771314" y="2655791"/>
+            <a:off x="7771314" y="2960591"/>
             <a:ext cx="674399" cy="369332"/>
           </a:xfrm>
           <a:prstGeom prst="rect">
@@ -7257,7 +6692,7 @@
         </p:nvSpPr>
         <p:spPr>
           <a:xfrm>
-            <a:off x="9751403" y="2677807"/>
+            <a:off x="9751403" y="2982607"/>
             <a:ext cx="674399" cy="369332"/>
           </a:xfrm>
           <a:prstGeom prst="rect">
@@ -7292,7 +6727,7 @@
         </p:nvSpPr>
         <p:spPr>
           <a:xfrm>
-            <a:off x="7113544" y="2665730"/>
+            <a:off x="7113544" y="2970530"/>
             <a:ext cx="674399" cy="369332"/>
           </a:xfrm>
           <a:prstGeom prst="rect">
@@ -7327,7 +6762,7 @@
         </p:nvSpPr>
         <p:spPr>
           <a:xfrm>
-            <a:off x="8484279" y="2659418"/>
+            <a:off x="8484279" y="2964218"/>
             <a:ext cx="674399" cy="369332"/>
           </a:xfrm>
           <a:prstGeom prst="rect">
@@ -7362,7 +6797,7 @@
         </p:nvSpPr>
         <p:spPr>
           <a:xfrm>
-            <a:off x="9112232" y="2658846"/>
+            <a:off x="9112232" y="2963646"/>
             <a:ext cx="674399" cy="369332"/>
           </a:xfrm>
           <a:prstGeom prst="rect">
@@ -7405,7 +6840,7 @@
         </p:blipFill>
         <p:spPr>
           <a:xfrm>
-            <a:off x="508035" y="2264879"/>
+            <a:off x="508035" y="2569679"/>
             <a:ext cx="5155544" cy="3155223"/>
           </a:xfrm>
           <a:prstGeom prst="rect">
@@ -7427,7 +6862,7 @@
         </p:nvSpPr>
         <p:spPr>
           <a:xfrm>
-            <a:off x="655750" y="5611804"/>
+            <a:off x="655750" y="5916604"/>
             <a:ext cx="4860113" cy="307777"/>
           </a:xfrm>
           <a:prstGeom prst="rect">
@@ -7508,7 +6943,7 @@
           <a:p>
             <a:r>
               <a:rPr lang="en-US" sz="3600" dirty="0"/>
-              <a:t>More proliferating T cells, fewer memory T cells (CD4 TEM, CD8 TCM), fewer MAITs in colitis </a:t>
+              <a:t>More proliferating T cells, fewer memory T cells (CD4 TEM, CD8 TCM), fewer MAITs in </a:t>
             </a:r>
             <a:r>
               <a:rPr lang="en-US" sz="3600" dirty="0" err="1"/>
@@ -7516,7 +6951,7 @@
             </a:r>
             <a:r>
               <a:rPr lang="en-US" sz="3600" dirty="0"/>
-              <a:t> tissue: </a:t>
+              <a:t> colitis tissue: </a:t>
             </a:r>
             <a:r>
               <a:rPr lang="en-US" sz="3600" dirty="0" err="1"/>
@@ -7552,7 +6987,7 @@
         </p:blipFill>
         <p:spPr>
           <a:xfrm>
-            <a:off x="0" y="2304693"/>
+            <a:off x="0" y="2071013"/>
             <a:ext cx="6404113" cy="3959582"/>
           </a:xfrm>
           <a:prstGeom prst="rect">
@@ -7560,61 +6995,6 @@
           </a:prstGeom>
         </p:spPr>
       </p:pic>
-      <p:sp>
-        <p:nvSpPr>
-          <p:cNvPr id="3" name="TextBox 2">
-            <a:extLst>
-              <a:ext uri="{FF2B5EF4-FFF2-40B4-BE49-F238E27FC236}">
-                <a16:creationId xmlns:a16="http://schemas.microsoft.com/office/drawing/2014/main" id="{F466BB83-43D0-443B-4946-0A6E7E870817}"/>
-              </a:ext>
-            </a:extLst>
-          </p:cNvPr>
-          <p:cNvSpPr txBox="1"/>
-          <p:nvPr/>
-        </p:nvSpPr>
-        <p:spPr>
-          <a:xfrm>
-            <a:off x="3897425" y="6496687"/>
-            <a:ext cx="3594510" cy="307777"/>
-          </a:xfrm>
-          <a:prstGeom prst="rect">
-            <a:avLst/>
-          </a:prstGeom>
-          <a:noFill/>
-        </p:spPr>
-        <p:txBody>
-          <a:bodyPr wrap="none" rtlCol="0">
-            <a:spAutoFit/>
-          </a:bodyPr>
-          <a:lstStyle/>
-          <a:p>
-            <a:r>
-              <a:rPr lang="en-US" sz="1400" dirty="0"/>
-              <a:t>Wilcoxon rank sum test.</a:t>
-            </a:r>
-            <a:r>
-              <a:rPr lang="en-US" sz="1400" dirty="0">
-                <a:cs typeface="Times New Roman" panose="02020603050405020304" pitchFamily="18" charset="0"/>
-              </a:rPr>
-              <a:t> </a:t>
-            </a:r>
-            <a:r>
-              <a:rPr lang="en-US" sz="1400" dirty="0">
-                <a:effectLst/>
-                <a:ea typeface="Calibri" panose="020F0502020204030204" pitchFamily="34" charset="0"/>
-                <a:cs typeface="Times New Roman" panose="02020603050405020304" pitchFamily="18" charset="0"/>
-              </a:rPr>
-              <a:t>**, p &lt;1e-2; *; p &lt;0.05</a:t>
-            </a:r>
-            <a:endParaRPr lang="en-US" sz="1400" b="0" i="0" u="none" strike="noStrike" dirty="0">
-              <a:solidFill>
-                <a:srgbClr val="212121"/>
-              </a:solidFill>
-              <a:effectLst/>
-            </a:endParaRPr>
-          </a:p>
-        </p:txBody>
-      </p:sp>
       <p:pic>
         <p:nvPicPr>
           <p:cNvPr id="4" name="Picture 3">
@@ -7637,7 +7017,7 @@
         </p:blipFill>
         <p:spPr>
           <a:xfrm>
-            <a:off x="6404113" y="2761536"/>
+            <a:off x="6404113" y="2527856"/>
             <a:ext cx="5234143" cy="3193058"/>
           </a:xfrm>
           <a:prstGeom prst="rect">
@@ -7659,7 +7039,7 @@
         </p:nvSpPr>
         <p:spPr>
           <a:xfrm>
-            <a:off x="8342283" y="2343349"/>
+            <a:off x="8342283" y="2109669"/>
             <a:ext cx="1531894" cy="369332"/>
           </a:xfrm>
           <a:prstGeom prst="rect">
@@ -7678,6 +7058,236 @@
               <a:t>Downsampled</a:t>
             </a:r>
             <a:endParaRPr lang="en-US" dirty="0"/>
+          </a:p>
+        </p:txBody>
+      </p:sp>
+      <p:sp>
+        <p:nvSpPr>
+          <p:cNvPr id="6" name="TextBox 5">
+            <a:extLst>
+              <a:ext uri="{FF2B5EF4-FFF2-40B4-BE49-F238E27FC236}">
+                <a16:creationId xmlns:a16="http://schemas.microsoft.com/office/drawing/2014/main" id="{EE295C7D-2077-6F06-BD9E-EDF2F415DAF4}"/>
+              </a:ext>
+            </a:extLst>
+          </p:cNvPr>
+          <p:cNvSpPr txBox="1"/>
+          <p:nvPr/>
+        </p:nvSpPr>
+        <p:spPr>
+          <a:xfrm>
+            <a:off x="8043145" y="2881046"/>
+            <a:ext cx="674399" cy="369332"/>
+          </a:xfrm>
+          <a:prstGeom prst="rect">
+            <a:avLst/>
+          </a:prstGeom>
+          <a:noFill/>
+        </p:spPr>
+        <p:txBody>
+          <a:bodyPr wrap="square" rtlCol="0">
+            <a:spAutoFit/>
+          </a:bodyPr>
+          <a:lstStyle/>
+          <a:p>
+            <a:r>
+              <a:rPr lang="en-US" dirty="0"/>
+              <a:t>**</a:t>
+            </a:r>
+          </a:p>
+        </p:txBody>
+      </p:sp>
+      <p:sp>
+        <p:nvSpPr>
+          <p:cNvPr id="7" name="TextBox 6">
+            <a:extLst>
+              <a:ext uri="{FF2B5EF4-FFF2-40B4-BE49-F238E27FC236}">
+                <a16:creationId xmlns:a16="http://schemas.microsoft.com/office/drawing/2014/main" id="{414F96FD-EBBA-DD48-6EE1-3A3570930477}"/>
+              </a:ext>
+            </a:extLst>
+          </p:cNvPr>
+          <p:cNvSpPr txBox="1"/>
+          <p:nvPr/>
+        </p:nvSpPr>
+        <p:spPr>
+          <a:xfrm>
+            <a:off x="10094354" y="2903062"/>
+            <a:ext cx="674399" cy="369332"/>
+          </a:xfrm>
+          <a:prstGeom prst="rect">
+            <a:avLst/>
+          </a:prstGeom>
+          <a:noFill/>
+        </p:spPr>
+        <p:txBody>
+          <a:bodyPr wrap="square" rtlCol="0">
+            <a:spAutoFit/>
+          </a:bodyPr>
+          <a:lstStyle/>
+          <a:p>
+            <a:r>
+              <a:rPr lang="en-US" dirty="0"/>
+              <a:t>**</a:t>
+            </a:r>
+          </a:p>
+        </p:txBody>
+      </p:sp>
+      <p:sp>
+        <p:nvSpPr>
+          <p:cNvPr id="8" name="TextBox 7">
+            <a:extLst>
+              <a:ext uri="{FF2B5EF4-FFF2-40B4-BE49-F238E27FC236}">
+                <a16:creationId xmlns:a16="http://schemas.microsoft.com/office/drawing/2014/main" id="{BD414CEA-3DF9-935E-65BF-08CC66326CAC}"/>
+              </a:ext>
+            </a:extLst>
+          </p:cNvPr>
+          <p:cNvSpPr txBox="1"/>
+          <p:nvPr/>
+        </p:nvSpPr>
+        <p:spPr>
+          <a:xfrm>
+            <a:off x="7334575" y="2890985"/>
+            <a:ext cx="674399" cy="369332"/>
+          </a:xfrm>
+          <a:prstGeom prst="rect">
+            <a:avLst/>
+          </a:prstGeom>
+          <a:noFill/>
+        </p:spPr>
+        <p:txBody>
+          <a:bodyPr wrap="square" rtlCol="0">
+            <a:spAutoFit/>
+          </a:bodyPr>
+          <a:lstStyle/>
+          <a:p>
+            <a:r>
+              <a:rPr lang="en-US" dirty="0"/>
+              <a:t>**</a:t>
+            </a:r>
+          </a:p>
+        </p:txBody>
+      </p:sp>
+      <p:sp>
+        <p:nvSpPr>
+          <p:cNvPr id="9" name="TextBox 8">
+            <a:extLst>
+              <a:ext uri="{FF2B5EF4-FFF2-40B4-BE49-F238E27FC236}">
+                <a16:creationId xmlns:a16="http://schemas.microsoft.com/office/drawing/2014/main" id="{660D4949-4F36-31FA-A8EE-7994A962BC97}"/>
+              </a:ext>
+            </a:extLst>
+          </p:cNvPr>
+          <p:cNvSpPr txBox="1"/>
+          <p:nvPr/>
+        </p:nvSpPr>
+        <p:spPr>
+          <a:xfrm>
+            <a:off x="8776430" y="2884673"/>
+            <a:ext cx="674399" cy="369332"/>
+          </a:xfrm>
+          <a:prstGeom prst="rect">
+            <a:avLst/>
+          </a:prstGeom>
+          <a:noFill/>
+        </p:spPr>
+        <p:txBody>
+          <a:bodyPr wrap="square" rtlCol="0">
+            <a:spAutoFit/>
+          </a:bodyPr>
+          <a:lstStyle/>
+          <a:p>
+            <a:r>
+              <a:rPr lang="en-US" dirty="0"/>
+              <a:t>*</a:t>
+            </a:r>
+          </a:p>
+        </p:txBody>
+      </p:sp>
+      <p:sp>
+        <p:nvSpPr>
+          <p:cNvPr id="10" name="TextBox 9">
+            <a:extLst>
+              <a:ext uri="{FF2B5EF4-FFF2-40B4-BE49-F238E27FC236}">
+                <a16:creationId xmlns:a16="http://schemas.microsoft.com/office/drawing/2014/main" id="{D661BB1B-5067-A01E-3869-60041466D243}"/>
+              </a:ext>
+            </a:extLst>
+          </p:cNvPr>
+          <p:cNvSpPr txBox="1"/>
+          <p:nvPr/>
+        </p:nvSpPr>
+        <p:spPr>
+          <a:xfrm>
+            <a:off x="9404383" y="2884101"/>
+            <a:ext cx="674399" cy="369332"/>
+          </a:xfrm>
+          <a:prstGeom prst="rect">
+            <a:avLst/>
+          </a:prstGeom>
+          <a:noFill/>
+        </p:spPr>
+        <p:txBody>
+          <a:bodyPr wrap="square" rtlCol="0">
+            <a:spAutoFit/>
+          </a:bodyPr>
+          <a:lstStyle/>
+          <a:p>
+            <a:r>
+              <a:rPr lang="en-US" dirty="0"/>
+              <a:t>**</a:t>
+            </a:r>
+          </a:p>
+        </p:txBody>
+      </p:sp>
+      <p:sp>
+        <p:nvSpPr>
+          <p:cNvPr id="3" name="TextBox 2">
+            <a:extLst>
+              <a:ext uri="{FF2B5EF4-FFF2-40B4-BE49-F238E27FC236}">
+                <a16:creationId xmlns:a16="http://schemas.microsoft.com/office/drawing/2014/main" id="{F466BB83-43D0-443B-4946-0A6E7E870817}"/>
+              </a:ext>
+            </a:extLst>
+          </p:cNvPr>
+          <p:cNvSpPr txBox="1"/>
+          <p:nvPr/>
+        </p:nvSpPr>
+        <p:spPr>
+          <a:xfrm>
+            <a:off x="6979175" y="5501656"/>
+            <a:ext cx="3594510" cy="307777"/>
+          </a:xfrm>
+          <a:prstGeom prst="rect">
+            <a:avLst/>
+          </a:prstGeom>
+          <a:noFill/>
+        </p:spPr>
+        <p:txBody>
+          <a:bodyPr wrap="none" rtlCol="0">
+            <a:spAutoFit/>
+          </a:bodyPr>
+          <a:lstStyle/>
+          <a:p>
+            <a:r>
+              <a:rPr lang="en-US" sz="1400" dirty="0"/>
+              <a:t>Wilcoxon rank sum test.</a:t>
+            </a:r>
+            <a:r>
+              <a:rPr lang="en-US" sz="1400" dirty="0">
+                <a:cs typeface="Times New Roman" panose="02020603050405020304" pitchFamily="18" charset="0"/>
+              </a:rPr>
+              <a:t> </a:t>
+            </a:r>
+            <a:r>
+              <a:rPr lang="en-US" sz="1400" dirty="0">
+                <a:effectLst/>
+                <a:ea typeface="Calibri" panose="020F0502020204030204" pitchFamily="34" charset="0"/>
+                <a:cs typeface="Times New Roman" panose="02020603050405020304" pitchFamily="18" charset="0"/>
+              </a:rPr>
+              <a:t>**, p &lt;1e-2; *; p &lt;0.05</a:t>
+            </a:r>
+            <a:endParaRPr lang="en-US" sz="1400" b="0" i="0" u="none" strike="noStrike" dirty="0">
+              <a:solidFill>
+                <a:srgbClr val="212121"/>
+              </a:solidFill>
+              <a:effectLst/>
+            </a:endParaRPr>
           </a:p>
         </p:txBody>
       </p:sp>
@@ -7735,23 +7345,31 @@
         </p:spPr>
         <p:txBody>
           <a:bodyPr>
-            <a:noAutofit/>
+            <a:normAutofit/>
           </a:bodyPr>
           <a:lstStyle/>
           <a:p>
             <a:r>
-              <a:rPr lang="en-US" sz="3200" dirty="0"/>
-              <a:t>Heatmap methods</a:t>
-            </a:r>
-          </a:p>
-        </p:txBody>
-      </p:sp>
-      <p:sp>
-        <p:nvSpPr>
-          <p:cNvPr id="15" name="Content Placeholder 2">
-            <a:extLst>
-              <a:ext uri="{FF2B5EF4-FFF2-40B4-BE49-F238E27FC236}">
-                <a16:creationId xmlns:a16="http://schemas.microsoft.com/office/drawing/2014/main" id="{56D95AB4-B436-5BF6-67A4-2B11960C930A}"/>
+              <a:rPr lang="en-US" sz="3600" dirty="0"/>
+              <a:t>Importance of the </a:t>
+            </a:r>
+            <a:r>
+              <a:rPr lang="en-US" sz="3600" dirty="0" err="1"/>
+              <a:t>irAE</a:t>
+            </a:r>
+            <a:r>
+              <a:rPr lang="en-US" sz="3600" dirty="0"/>
+              <a:t> organ</a:t>
+            </a:r>
+          </a:p>
+        </p:txBody>
+      </p:sp>
+      <p:sp>
+        <p:nvSpPr>
+          <p:cNvPr id="4" name="Content Placeholder 2">
+            <a:extLst>
+              <a:ext uri="{FF2B5EF4-FFF2-40B4-BE49-F238E27FC236}">
+                <a16:creationId xmlns:a16="http://schemas.microsoft.com/office/drawing/2014/main" id="{97921B84-0822-29C1-D84E-4C4A1F7D74FA}"/>
               </a:ext>
             </a:extLst>
           </p:cNvPr>
@@ -7765,128 +7383,125 @@
         <p:spPr>
           <a:xfrm>
             <a:off x="838200" y="1919289"/>
-            <a:ext cx="10612120" cy="4623402"/>
+            <a:ext cx="10215880" cy="4623402"/>
           </a:xfrm>
         </p:spPr>
         <p:txBody>
           <a:bodyPr>
-            <a:normAutofit fontScale="92500" lnSpcReduction="20000"/>
+            <a:normAutofit fontScale="92500" lnSpcReduction="10000"/>
           </a:bodyPr>
           <a:lstStyle/>
           <a:p>
-            <a:pPr marL="514350" indent="-514350">
-              <a:buFont typeface="+mj-lt"/>
-              <a:buAutoNum type="arabicPeriod"/>
-            </a:pPr>
-            <a:r>
-              <a:rPr lang="en-US" dirty="0"/>
-              <a:t>Calculate clonotype (chain-CDR3-V-J) counts within each patient</a:t>
-            </a:r>
-          </a:p>
-          <a:p>
-            <a:pPr marL="514350" indent="-514350">
-              <a:buFont typeface="+mj-lt"/>
-              <a:buAutoNum type="arabicPeriod"/>
-            </a:pPr>
-            <a:r>
-              <a:rPr lang="en-US" dirty="0"/>
-              <a:t>Normalize clonotype counts within each patient by sum of clonotypes for each patient (sequencing depth)</a:t>
+            <a:r>
+              <a:rPr lang="en-US" sz="2800" dirty="0"/>
+              <a:t>l</a:t>
+            </a:r>
+            <a:r>
+              <a:rPr lang="en-US" dirty="0"/>
+              <a:t>ower baseline levels of CD8 TCM cells in arthritis </a:t>
+            </a:r>
+            <a:r>
+              <a:rPr lang="en-US" dirty="0" err="1"/>
+              <a:t>irAE</a:t>
+            </a:r>
+            <a:r>
+              <a:rPr lang="en-US" dirty="0"/>
+              <a:t> patients, higher CD4 Th2 baseline levels in pneumonitis </a:t>
+            </a:r>
+            <a:r>
+              <a:rPr lang="en-US" dirty="0" err="1"/>
+              <a:t>irAE</a:t>
+            </a:r>
+            <a:r>
+              <a:rPr lang="en-US" dirty="0"/>
+              <a:t> patients, higher CD4 Th17 baseline levels in thyroiditis </a:t>
+            </a:r>
+            <a:r>
+              <a:rPr lang="en-US" dirty="0" err="1"/>
+              <a:t>irAE</a:t>
+            </a:r>
+            <a:r>
+              <a:rPr lang="en-US" dirty="0"/>
+              <a:t> patients (</a:t>
+            </a:r>
+            <a:r>
+              <a:rPr lang="en-US" b="0" i="0" u="none" strike="noStrike" dirty="0">
+                <a:solidFill>
+                  <a:srgbClr val="212121"/>
+                </a:solidFill>
+                <a:effectLst/>
+              </a:rPr>
+              <a:t>PMID: 36513074)</a:t>
+            </a:r>
+          </a:p>
+          <a:p>
+            <a:endParaRPr lang="en-US" sz="2800" dirty="0"/>
+          </a:p>
+          <a:p>
+            <a:r>
+              <a:rPr lang="en-US" sz="2800" dirty="0"/>
+              <a:t>low baseline circulating MAITs associated with </a:t>
+            </a:r>
+            <a:r>
+              <a:rPr lang="en-US" sz="2800" dirty="0" err="1"/>
+              <a:t>irAE</a:t>
+            </a:r>
+            <a:r>
+              <a:rPr lang="en-US" sz="2800" dirty="0"/>
+              <a:t> colitis (PMID: 32734627, ~coincides with </a:t>
+            </a:r>
+            <a:r>
+              <a:rPr lang="en-US" dirty="0"/>
+              <a:t>my analysis)</a:t>
+            </a:r>
+          </a:p>
+          <a:p>
+            <a:r>
+              <a:rPr lang="en-US" sz="2800" dirty="0"/>
+              <a:t>activated CD4 TEM abundance (in PBMCs) associated with </a:t>
+            </a:r>
+            <a:r>
+              <a:rPr lang="en-US" sz="2800" dirty="0" err="1"/>
+              <a:t>irAE</a:t>
+            </a:r>
+            <a:r>
+              <a:rPr lang="en-US" sz="2800" dirty="0"/>
+              <a:t> development (</a:t>
+            </a:r>
+            <a:r>
+              <a:rPr lang="en-US" sz="2800" i="0" strike="noStrike" dirty="0">
+                <a:effectLst/>
+              </a:rPr>
+              <a:t>PMID: 35027754, ~disagrees with my analysis)</a:t>
             </a:r>
           </a:p>
           <a:p>
             <a:pPr lvl="1"/>
-            <a:r>
-              <a:rPr lang="en-US" dirty="0"/>
-              <a:t>If </a:t>
+            <a:endParaRPr lang="en-US" sz="2800" dirty="0"/>
+          </a:p>
+          <a:p>
+            <a:r>
+              <a:rPr lang="en-US" dirty="0"/>
+              <a:t>possible explanation for differences between myocarditis-focused PBMC and colitis </a:t>
             </a:r>
             <a:r>
               <a:rPr lang="en-US" dirty="0" err="1"/>
-              <a:t>downsampling</a:t>
-            </a:r>
-            <a:r>
-              <a:rPr lang="en-US" dirty="0"/>
-              <a:t>, skip this step</a:t>
-            </a:r>
-          </a:p>
-          <a:p>
-            <a:pPr marL="514350" indent="-514350">
-              <a:buFont typeface="+mj-lt"/>
-              <a:buAutoNum type="arabicPeriod"/>
-            </a:pPr>
-            <a:r>
-              <a:rPr lang="en-US" dirty="0"/>
-              <a:t>Slice to only look at unique clonotypes from each patient</a:t>
-            </a:r>
-          </a:p>
-          <a:p>
-            <a:pPr marL="514350" indent="-514350">
-              <a:buFont typeface="+mj-lt"/>
-              <a:buAutoNum type="arabicPeriod"/>
-            </a:pPr>
-            <a:r>
-              <a:rPr lang="en-US" dirty="0"/>
-              <a:t>Arrange by normalized clonotype counts within cell type, chain groups</a:t>
-            </a:r>
-          </a:p>
-          <a:p>
-            <a:pPr lvl="1"/>
-            <a:r>
-              <a:rPr lang="en-US" dirty="0"/>
-              <a:t>If </a:t>
-            </a:r>
-            <a:r>
-              <a:rPr lang="en-US" dirty="0" err="1"/>
-              <a:t>downsampling</a:t>
-            </a:r>
-            <a:r>
-              <a:rPr lang="en-US" dirty="0"/>
-              <a:t>, instead arrange by raw clonotype counts</a:t>
-            </a:r>
-          </a:p>
-          <a:p>
-            <a:pPr marL="514350" indent="-514350">
-              <a:buFont typeface="+mj-lt"/>
-              <a:buAutoNum type="arabicPeriod"/>
-            </a:pPr>
-            <a:r>
-              <a:rPr lang="en-US" dirty="0"/>
-              <a:t>Create 10 bins per cell type, chain group, i.e. bin 1 is top 10% clonotypes for that chain-cell type across patients</a:t>
-            </a:r>
-          </a:p>
-          <a:p>
-            <a:pPr marL="514350" indent="-514350">
-              <a:buFont typeface="+mj-lt"/>
-              <a:buAutoNum type="arabicPeriod"/>
-            </a:pPr>
-            <a:r>
-              <a:rPr lang="en-US" dirty="0"/>
-              <a:t>Perform Wilcox rank sum test iteratively up to n</a:t>
-            </a:r>
-            <a:r>
-              <a:rPr lang="en-US" baseline="30000" dirty="0"/>
-              <a:t>th</a:t>
-            </a:r>
-            <a:r>
-              <a:rPr lang="en-US" dirty="0"/>
-              <a:t> bin within cell type, chain groups for features of interest</a:t>
-            </a:r>
-          </a:p>
-          <a:p>
-            <a:pPr marL="514350" indent="-514350">
-              <a:buFont typeface="+mj-lt"/>
-              <a:buAutoNum type="arabicPeriod"/>
-            </a:pPr>
-            <a:r>
-              <a:rPr lang="en-US" dirty="0"/>
-              <a:t>Create heatmaps of –log10(p value) by cell type, chain, feature groups across % repertoire bins</a:t>
-            </a:r>
+              <a:t>irAE</a:t>
+            </a:r>
+            <a:r>
+              <a:rPr lang="en-US" dirty="0"/>
+              <a:t> tissue datasets &amp; my analysis and published literature results</a:t>
+            </a:r>
+          </a:p>
+          <a:p>
+            <a:endParaRPr lang="en-US" dirty="0"/>
           </a:p>
         </p:txBody>
       </p:sp>
     </p:spTree>
     <p:extLst>
       <p:ext uri="{BB962C8B-B14F-4D97-AF65-F5344CB8AC3E}">
-        <p14:creationId xmlns:p14="http://schemas.microsoft.com/office/powerpoint/2010/main" val="4227537615"/>
+        <p14:creationId xmlns:p14="http://schemas.microsoft.com/office/powerpoint/2010/main" val="232631251"/>
       </p:ext>
     </p:extLst>
   </p:cSld>
@@ -7942,276 +7557,139 @@
           <a:lstStyle/>
           <a:p>
             <a:r>
-              <a:rPr lang="en-US" sz="2600" dirty="0"/>
-              <a:t>Myocarditis dataset: TRB </a:t>
-            </a:r>
-            <a:r>
-              <a:rPr lang="en-US" sz="2600" dirty="0" err="1"/>
-              <a:t>pgen</a:t>
-            </a:r>
-            <a:r>
-              <a:rPr lang="en-US" sz="2600" dirty="0"/>
-              <a:t> difference between </a:t>
-            </a:r>
-            <a:r>
-              <a:rPr lang="en-US" sz="2600" dirty="0" err="1"/>
-              <a:t>irAE</a:t>
-            </a:r>
-            <a:r>
-              <a:rPr lang="en-US" sz="2600" dirty="0"/>
-              <a:t> groups in highly expanded CD8 TEMs apparent in both heatmaps; TRB CDR3 length difference in highly expanded CD8 TEMs in </a:t>
-            </a:r>
-            <a:r>
-              <a:rPr lang="en-US" sz="2600" dirty="0" err="1"/>
-              <a:t>downsampled</a:t>
-            </a:r>
-            <a:r>
-              <a:rPr lang="en-US" sz="2600" dirty="0"/>
-              <a:t> heatmap</a:t>
-            </a:r>
-          </a:p>
-        </p:txBody>
-      </p:sp>
-      <p:sp>
-        <p:nvSpPr>
-          <p:cNvPr id="6" name="TextBox 5">
-            <a:extLst>
-              <a:ext uri="{FF2B5EF4-FFF2-40B4-BE49-F238E27FC236}">
-                <a16:creationId xmlns:a16="http://schemas.microsoft.com/office/drawing/2014/main" id="{C5E997F9-73E0-70F6-C1C4-2CDB31F88B88}"/>
-              </a:ext>
-            </a:extLst>
-          </p:cNvPr>
-          <p:cNvSpPr txBox="1"/>
-          <p:nvPr/>
+              <a:rPr lang="en-US" sz="3200" dirty="0"/>
+              <a:t>Heatmap methods</a:t>
+            </a:r>
+          </a:p>
+        </p:txBody>
+      </p:sp>
+      <p:sp>
+        <p:nvSpPr>
+          <p:cNvPr id="15" name="Content Placeholder 2">
+            <a:extLst>
+              <a:ext uri="{FF2B5EF4-FFF2-40B4-BE49-F238E27FC236}">
+                <a16:creationId xmlns:a16="http://schemas.microsoft.com/office/drawing/2014/main" id="{56D95AB4-B436-5BF6-67A4-2B11960C930A}"/>
+              </a:ext>
+            </a:extLst>
+          </p:cNvPr>
+          <p:cNvSpPr>
+            <a:spLocks noGrp="1"/>
+          </p:cNvSpPr>
+          <p:nvPr>
+            <p:ph idx="1"/>
+          </p:nvPr>
         </p:nvSpPr>
         <p:spPr>
           <a:xfrm>
-            <a:off x="7767429" y="1956420"/>
-            <a:ext cx="1531894" cy="369332"/>
+            <a:off x="838200" y="1919288"/>
+            <a:ext cx="10612120" cy="4938711"/>
           </a:xfrm>
-          <a:prstGeom prst="rect">
-            <a:avLst/>
-          </a:prstGeom>
-          <a:noFill/>
         </p:spPr>
         <p:txBody>
-          <a:bodyPr wrap="none" rtlCol="0">
-            <a:spAutoFit/>
+          <a:bodyPr>
+            <a:normAutofit fontScale="92500" lnSpcReduction="10000"/>
           </a:bodyPr>
           <a:lstStyle/>
           <a:p>
+            <a:pPr marL="514350" indent="-514350">
+              <a:buFont typeface="+mj-lt"/>
+              <a:buAutoNum type="arabicPeriod"/>
+            </a:pPr>
+            <a:r>
+              <a:rPr lang="en-US" dirty="0"/>
+              <a:t>Calculate clonotype (chain-CDR3-V-J) counts within each patient</a:t>
+            </a:r>
+          </a:p>
+          <a:p>
+            <a:pPr marL="514350" indent="-514350">
+              <a:buFont typeface="+mj-lt"/>
+              <a:buAutoNum type="arabicPeriod"/>
+            </a:pPr>
+            <a:r>
+              <a:rPr lang="en-US" dirty="0"/>
+              <a:t>If not </a:t>
+            </a:r>
             <a:r>
               <a:rPr lang="en-US" dirty="0" err="1"/>
-              <a:t>Downsampled</a:t>
-            </a:r>
-            <a:endParaRPr lang="en-US" dirty="0"/>
-          </a:p>
-        </p:txBody>
-      </p:sp>
-      <p:sp>
-        <p:nvSpPr>
-          <p:cNvPr id="7" name="TextBox 6">
-            <a:extLst>
-              <a:ext uri="{FF2B5EF4-FFF2-40B4-BE49-F238E27FC236}">
-                <a16:creationId xmlns:a16="http://schemas.microsoft.com/office/drawing/2014/main" id="{4DCF4FE7-F626-52E0-5138-50BC8583940D}"/>
-              </a:ext>
-            </a:extLst>
-          </p:cNvPr>
-          <p:cNvSpPr txBox="1"/>
-          <p:nvPr/>
-        </p:nvSpPr>
-        <p:spPr>
-          <a:xfrm>
-            <a:off x="838200" y="1956420"/>
-            <a:ext cx="3267882" cy="369332"/>
-          </a:xfrm>
-          <a:prstGeom prst="rect">
-            <a:avLst/>
-          </a:prstGeom>
-          <a:noFill/>
-        </p:spPr>
-        <p:txBody>
-          <a:bodyPr wrap="none" rtlCol="0">
-            <a:spAutoFit/>
-          </a:bodyPr>
-          <a:lstStyle/>
-          <a:p>
-            <a:r>
-              <a:rPr lang="en-US" dirty="0"/>
-              <a:t>Normalized by sequencing depth</a:t>
-            </a:r>
-          </a:p>
-        </p:txBody>
-      </p:sp>
-      <p:sp>
-        <p:nvSpPr>
-          <p:cNvPr id="9" name="TextBox 8">
-            <a:extLst>
-              <a:ext uri="{FF2B5EF4-FFF2-40B4-BE49-F238E27FC236}">
-                <a16:creationId xmlns:a16="http://schemas.microsoft.com/office/drawing/2014/main" id="{7ED180BF-242E-5A3A-1C1D-C8E5E1F7EC49}"/>
-              </a:ext>
-            </a:extLst>
-          </p:cNvPr>
-          <p:cNvSpPr txBox="1"/>
-          <p:nvPr/>
-        </p:nvSpPr>
-        <p:spPr>
-          <a:xfrm>
-            <a:off x="0" y="5885002"/>
-            <a:ext cx="2656240" cy="369332"/>
-          </a:xfrm>
-          <a:prstGeom prst="rect">
-            <a:avLst/>
-          </a:prstGeom>
-          <a:noFill/>
-        </p:spPr>
-        <p:txBody>
-          <a:bodyPr wrap="none" rtlCol="0">
-            <a:spAutoFit/>
-          </a:bodyPr>
-          <a:lstStyle/>
-          <a:p>
-            <a:r>
-              <a:rPr lang="en-US" dirty="0"/>
-              <a:t>Highly expanded ------- All</a:t>
-            </a:r>
-          </a:p>
-        </p:txBody>
-      </p:sp>
-      <p:sp>
-        <p:nvSpPr>
-          <p:cNvPr id="10" name="TextBox 9">
-            <a:extLst>
-              <a:ext uri="{FF2B5EF4-FFF2-40B4-BE49-F238E27FC236}">
-                <a16:creationId xmlns:a16="http://schemas.microsoft.com/office/drawing/2014/main" id="{B1D54062-1C0B-0484-EE2A-1D1281CB124A}"/>
-              </a:ext>
-            </a:extLst>
-          </p:cNvPr>
-          <p:cNvSpPr txBox="1"/>
-          <p:nvPr/>
-        </p:nvSpPr>
-        <p:spPr>
-          <a:xfrm>
-            <a:off x="6262978" y="5885002"/>
-            <a:ext cx="3573158" cy="369332"/>
-          </a:xfrm>
-          <a:prstGeom prst="rect">
-            <a:avLst/>
-          </a:prstGeom>
-          <a:noFill/>
-        </p:spPr>
-        <p:txBody>
-          <a:bodyPr wrap="none" rtlCol="0">
-            <a:spAutoFit/>
-          </a:bodyPr>
-          <a:lstStyle/>
-          <a:p>
-            <a:r>
-              <a:rPr lang="en-US" dirty="0"/>
-              <a:t>Highly expanded --------------------- All</a:t>
-            </a:r>
-          </a:p>
-        </p:txBody>
-      </p:sp>
-      <p:sp>
-        <p:nvSpPr>
-          <p:cNvPr id="14" name="TextBox 13">
-            <a:extLst>
-              <a:ext uri="{FF2B5EF4-FFF2-40B4-BE49-F238E27FC236}">
-                <a16:creationId xmlns:a16="http://schemas.microsoft.com/office/drawing/2014/main" id="{F528919C-E6E5-150C-6917-5E0AB2904EA6}"/>
-              </a:ext>
-            </a:extLst>
-          </p:cNvPr>
-          <p:cNvSpPr txBox="1"/>
-          <p:nvPr/>
-        </p:nvSpPr>
-        <p:spPr>
-          <a:xfrm>
-            <a:off x="2817987" y="6475872"/>
-            <a:ext cx="6556026" cy="369332"/>
-          </a:xfrm>
-          <a:prstGeom prst="rect">
-            <a:avLst/>
-          </a:prstGeom>
-          <a:noFill/>
-        </p:spPr>
-        <p:txBody>
-          <a:bodyPr wrap="none" rtlCol="0">
-            <a:spAutoFit/>
-          </a:bodyPr>
-          <a:lstStyle/>
-          <a:p>
-            <a:r>
-              <a:rPr lang="en-US" dirty="0"/>
-              <a:t>Filtered for rows with &gt; 1 p &lt; 0.05 tile, * denotes CD8 TEM TRB rows</a:t>
-            </a:r>
-          </a:p>
-        </p:txBody>
-      </p:sp>
-      <p:pic>
-        <p:nvPicPr>
-          <p:cNvPr id="3" name="Picture 2">
-            <a:extLst>
-              <a:ext uri="{FF2B5EF4-FFF2-40B4-BE49-F238E27FC236}">
-                <a16:creationId xmlns:a16="http://schemas.microsoft.com/office/drawing/2014/main" id="{A5191730-ED95-5F21-3DBB-107A9FADD77D}"/>
-              </a:ext>
-            </a:extLst>
-          </p:cNvPr>
-          <p:cNvPicPr>
-            <a:picLocks noChangeAspect="1"/>
-          </p:cNvPicPr>
-          <p:nvPr/>
-        </p:nvPicPr>
-        <p:blipFill>
-          <a:blip r:embed="rId3"/>
-          <a:stretch>
-            <a:fillRect/>
-          </a:stretch>
-        </p:blipFill>
-        <p:spPr>
-          <a:xfrm>
-            <a:off x="2104" y="2439190"/>
-            <a:ext cx="5809416" cy="3500133"/>
-          </a:xfrm>
-          <a:prstGeom prst="rect">
-            <a:avLst/>
-          </a:prstGeom>
-        </p:spPr>
-      </p:pic>
-      <p:pic>
-        <p:nvPicPr>
-          <p:cNvPr id="4" name="Picture 3">
-            <a:extLst>
-              <a:ext uri="{FF2B5EF4-FFF2-40B4-BE49-F238E27FC236}">
-                <a16:creationId xmlns:a16="http://schemas.microsoft.com/office/drawing/2014/main" id="{B37C6AB9-6BEB-1BC4-5849-79C74CCBA2ED}"/>
-              </a:ext>
-            </a:extLst>
-          </p:cNvPr>
-          <p:cNvPicPr>
-            <a:picLocks noChangeAspect="1"/>
-          </p:cNvPicPr>
-          <p:nvPr/>
-        </p:nvPicPr>
-        <p:blipFill>
-          <a:blip r:embed="rId4"/>
-          <a:stretch>
-            <a:fillRect/>
-          </a:stretch>
-        </p:blipFill>
-        <p:spPr>
-          <a:xfrm>
-            <a:off x="6096000" y="2466732"/>
-            <a:ext cx="5809416" cy="3474492"/>
-          </a:xfrm>
-          <a:prstGeom prst="rect">
-            <a:avLst/>
-          </a:prstGeom>
-        </p:spPr>
-      </p:pic>
+              <a:t>downsampling</a:t>
+            </a:r>
+            <a:r>
+              <a:rPr lang="en-US" dirty="0"/>
+              <a:t>, normalize clonotype counts within each patient by sum of clonotypes for that patient (sequencing depth)</a:t>
+            </a:r>
+          </a:p>
+          <a:p>
+            <a:pPr marL="514350" indent="-514350">
+              <a:buFont typeface="+mj-lt"/>
+              <a:buAutoNum type="arabicPeriod"/>
+            </a:pPr>
+            <a:r>
+              <a:rPr lang="en-US" dirty="0"/>
+              <a:t>Slice to only look at unique clonotypes from each patient</a:t>
+            </a:r>
+          </a:p>
+          <a:p>
+            <a:pPr marL="514350" indent="-514350">
+              <a:buFont typeface="+mj-lt"/>
+              <a:buAutoNum type="arabicPeriod"/>
+            </a:pPr>
+            <a:r>
+              <a:rPr lang="en-US" dirty="0"/>
+              <a:t>Arrange by (normalized if not </a:t>
+            </a:r>
+            <a:r>
+              <a:rPr lang="en-US" dirty="0" err="1"/>
+              <a:t>downsampled</a:t>
+            </a:r>
+            <a:r>
+              <a:rPr lang="en-US" dirty="0"/>
+              <a:t>) clonotype counts within cell type, chain groups</a:t>
+            </a:r>
+          </a:p>
+          <a:p>
+            <a:pPr marL="514350" indent="-514350">
+              <a:buFont typeface="+mj-lt"/>
+              <a:buAutoNum type="arabicPeriod"/>
+            </a:pPr>
+            <a:r>
+              <a:rPr lang="en-US" dirty="0"/>
+              <a:t>Create 10 bins per cell type, chain group, i.e. bin 1 is top 10% clonotypes for that chain-cell type across patients</a:t>
+            </a:r>
+          </a:p>
+          <a:p>
+            <a:pPr marL="514350" indent="-514350">
+              <a:buFont typeface="+mj-lt"/>
+              <a:buAutoNum type="arabicPeriod"/>
+            </a:pPr>
+            <a:r>
+              <a:rPr lang="en-US" dirty="0"/>
+              <a:t>Perform Wilcox rank sum test iteratively up to n</a:t>
+            </a:r>
+            <a:r>
+              <a:rPr lang="en-US" baseline="30000" dirty="0"/>
+              <a:t>th</a:t>
+            </a:r>
+            <a:r>
+              <a:rPr lang="en-US" dirty="0"/>
+              <a:t> bin within cell type, chain groups for features of interest</a:t>
+            </a:r>
+          </a:p>
+          <a:p>
+            <a:pPr marL="514350" indent="-514350">
+              <a:buFont typeface="+mj-lt"/>
+              <a:buAutoNum type="arabicPeriod"/>
+            </a:pPr>
+            <a:r>
+              <a:rPr lang="en-US" dirty="0"/>
+              <a:t>Create heatmaps of –log10(p value) by cell type, chain, feature groups across % repertoire bins</a:t>
+            </a:r>
+          </a:p>
+        </p:txBody>
+      </p:sp>
     </p:spTree>
     <p:extLst>
       <p:ext uri="{BB962C8B-B14F-4D97-AF65-F5344CB8AC3E}">
-        <p14:creationId xmlns:p14="http://schemas.microsoft.com/office/powerpoint/2010/main" val="2255738442"/>
+        <p14:creationId xmlns:p14="http://schemas.microsoft.com/office/powerpoint/2010/main" val="4227537615"/>
       </p:ext>
     </p:extLst>
   </p:cSld>
@@ -8262,33 +7740,29 @@
         </p:spPr>
         <p:txBody>
           <a:bodyPr>
-            <a:normAutofit fontScale="90000"/>
+            <a:noAutofit/>
           </a:bodyPr>
           <a:lstStyle/>
           <a:p>
             <a:r>
-              <a:rPr lang="en-US" sz="3200" dirty="0" err="1"/>
-              <a:t>Coliits</a:t>
-            </a:r>
-            <a:r>
-              <a:rPr lang="en-US" sz="3200" dirty="0"/>
-              <a:t> dataset: TRB </a:t>
-            </a:r>
-            <a:r>
-              <a:rPr lang="en-US" sz="3200" dirty="0" err="1"/>
+              <a:rPr lang="en-US" sz="2600" dirty="0"/>
+              <a:t>Myocarditis dataset: TRB </a:t>
+            </a:r>
+            <a:r>
+              <a:rPr lang="en-US" sz="2600" dirty="0" err="1"/>
               <a:t>pgen</a:t>
             </a:r>
             <a:r>
-              <a:rPr lang="en-US" sz="3200" dirty="0"/>
-              <a:t> and CDR3 length differences between </a:t>
-            </a:r>
-            <a:r>
-              <a:rPr lang="en-US" sz="3200" dirty="0" err="1"/>
+              <a:rPr lang="en-US" sz="2600" dirty="0"/>
+              <a:t> difference between </a:t>
+            </a:r>
+            <a:r>
+              <a:rPr lang="en-US" sz="2600" dirty="0" err="1"/>
               <a:t>irAE</a:t>
             </a:r>
             <a:r>
-              <a:rPr lang="en-US" sz="3200" dirty="0"/>
-              <a:t> groups in highly expanded CD8 TEMs apparent in in left heatmap</a:t>
+              <a:rPr lang="en-US" sz="2600" dirty="0"/>
+              <a:t> groups in highly expanded CD8 TEMs apparent in both heatmaps; TRB CDR3 length difference in highly expanded CD8 TEMs in right heatmap</a:t>
             </a:r>
           </a:p>
         </p:txBody>
@@ -8307,7 +7781,7 @@
         </p:nvSpPr>
         <p:spPr>
           <a:xfrm>
-            <a:off x="7061751" y="2224771"/>
+            <a:off x="7767429" y="1956420"/>
             <a:ext cx="1531894" cy="369332"/>
           </a:xfrm>
           <a:prstGeom prst="rect">
@@ -8343,7 +7817,7 @@
         </p:nvSpPr>
         <p:spPr>
           <a:xfrm>
-            <a:off x="427774" y="2224771"/>
+            <a:off x="838200" y="1956420"/>
             <a:ext cx="3267882" cy="369332"/>
           </a:xfrm>
           <a:prstGeom prst="rect">
@@ -8369,7 +7843,7 @@
           <p:cNvPr id="9" name="TextBox 8">
             <a:extLst>
               <a:ext uri="{FF2B5EF4-FFF2-40B4-BE49-F238E27FC236}">
-                <a16:creationId xmlns:a16="http://schemas.microsoft.com/office/drawing/2014/main" id="{986581FA-36BC-D204-DCA5-BEDFA0BFB587}"/>
+                <a16:creationId xmlns:a16="http://schemas.microsoft.com/office/drawing/2014/main" id="{7ED180BF-242E-5A3A-1C1D-C8E5E1F7EC49}"/>
               </a:ext>
             </a:extLst>
           </p:cNvPr>
@@ -8378,8 +7852,8 @@
         </p:nvSpPr>
         <p:spPr>
           <a:xfrm>
-            <a:off x="0" y="6133482"/>
-            <a:ext cx="2515176" cy="369332"/>
+            <a:off x="0" y="5885002"/>
+            <a:ext cx="2656240" cy="369332"/>
           </a:xfrm>
           <a:prstGeom prst="rect">
             <a:avLst/>
@@ -8394,7 +7868,7 @@
           <a:p>
             <a:r>
               <a:rPr lang="en-US" dirty="0"/>
-              <a:t>Highly expanded ----- All</a:t>
+              <a:t>Highly expanded ------- All</a:t>
             </a:r>
           </a:p>
         </p:txBody>
@@ -8404,7 +7878,7 @@
           <p:cNvPr id="10" name="TextBox 9">
             <a:extLst>
               <a:ext uri="{FF2B5EF4-FFF2-40B4-BE49-F238E27FC236}">
-                <a16:creationId xmlns:a16="http://schemas.microsoft.com/office/drawing/2014/main" id="{F7B9FCBE-981F-EFFF-A205-61DD1D00CFA7}"/>
+                <a16:creationId xmlns:a16="http://schemas.microsoft.com/office/drawing/2014/main" id="{B1D54062-1C0B-0484-EE2A-1D1281CB124A}"/>
               </a:ext>
             </a:extLst>
           </p:cNvPr>
@@ -8413,8 +7887,8 @@
         </p:nvSpPr>
         <p:spPr>
           <a:xfrm>
-            <a:off x="6136816" y="6133482"/>
-            <a:ext cx="2515176" cy="369332"/>
+            <a:off x="6096000" y="5894943"/>
+            <a:ext cx="3291029" cy="369332"/>
           </a:xfrm>
           <a:prstGeom prst="rect">
             <a:avLst/>
@@ -8429,8 +7903,57 @@
           <a:p>
             <a:r>
               <a:rPr lang="en-US" dirty="0"/>
-              <a:t>Highly expanded ----- All</a:t>
-            </a:r>
+              <a:t>Highly expanded ----------------- All</a:t>
+            </a:r>
+          </a:p>
+        </p:txBody>
+      </p:sp>
+      <p:sp>
+        <p:nvSpPr>
+          <p:cNvPr id="14" name="TextBox 13">
+            <a:extLst>
+              <a:ext uri="{FF2B5EF4-FFF2-40B4-BE49-F238E27FC236}">
+                <a16:creationId xmlns:a16="http://schemas.microsoft.com/office/drawing/2014/main" id="{F528919C-E6E5-150C-6917-5E0AB2904EA6}"/>
+              </a:ext>
+            </a:extLst>
+          </p:cNvPr>
+          <p:cNvSpPr txBox="1"/>
+          <p:nvPr/>
+        </p:nvSpPr>
+        <p:spPr>
+          <a:xfrm>
+            <a:off x="3008531" y="6484412"/>
+            <a:ext cx="7382653" cy="369332"/>
+          </a:xfrm>
+          <a:prstGeom prst="rect">
+            <a:avLst/>
+          </a:prstGeom>
+          <a:noFill/>
+        </p:spPr>
+        <p:txBody>
+          <a:bodyPr wrap="square" rtlCol="0">
+            <a:spAutoFit/>
+          </a:bodyPr>
+          <a:lstStyle/>
+          <a:p>
+            <a:r>
+              <a:rPr lang="en-US" dirty="0"/>
+              <a:t>Filtered for rows with &gt; 1 p &lt; 0.05 tile, </a:t>
+            </a:r>
+            <a:r>
+              <a:rPr lang="en-US" sz="1800" dirty="0">
+                <a:effectLst/>
+                <a:ea typeface="Calibri" panose="020F0502020204030204" pitchFamily="34" charset="0"/>
+                <a:cs typeface="Times New Roman" panose="02020603050405020304" pitchFamily="18" charset="0"/>
+              </a:rPr>
+              <a:t>**, p &lt;1e-2; *; p &lt;0.05</a:t>
+            </a:r>
+            <a:endParaRPr lang="en-US" sz="1800" b="0" i="0" u="none" strike="noStrike" dirty="0">
+              <a:solidFill>
+                <a:srgbClr val="212121"/>
+              </a:solidFill>
+              <a:effectLst/>
+            </a:endParaRPr>
           </a:p>
         </p:txBody>
       </p:sp>
@@ -8439,7 +7962,7 @@
           <p:cNvPr id="8" name="Picture 7">
             <a:extLst>
               <a:ext uri="{FF2B5EF4-FFF2-40B4-BE49-F238E27FC236}">
-                <a16:creationId xmlns:a16="http://schemas.microsoft.com/office/drawing/2014/main" id="{316BDDFF-1B53-4740-B879-3F2A006188A7}"/>
+                <a16:creationId xmlns:a16="http://schemas.microsoft.com/office/drawing/2014/main" id="{2F5D497D-6A48-E257-D5BB-0B3DA6DB955F}"/>
               </a:ext>
             </a:extLst>
           </p:cNvPr>
@@ -8456,8 +7979,8 @@
         </p:blipFill>
         <p:spPr>
           <a:xfrm>
-            <a:off x="6136816" y="2633492"/>
-            <a:ext cx="5877589" cy="3591398"/>
+            <a:off x="5842000" y="2292266"/>
+            <a:ext cx="5699760" cy="3557297"/>
           </a:xfrm>
           <a:prstGeom prst="rect">
             <a:avLst/>
@@ -8466,10 +7989,10 @@
       </p:pic>
       <p:pic>
         <p:nvPicPr>
-          <p:cNvPr id="12" name="Picture 11">
-            <a:extLst>
-              <a:ext uri="{FF2B5EF4-FFF2-40B4-BE49-F238E27FC236}">
-                <a16:creationId xmlns:a16="http://schemas.microsoft.com/office/drawing/2014/main" id="{D9971EE1-01C4-68E8-783D-91C24E840BE1}"/>
+          <p:cNvPr id="11" name="Picture 10">
+            <a:extLst>
+              <a:ext uri="{FF2B5EF4-FFF2-40B4-BE49-F238E27FC236}">
+                <a16:creationId xmlns:a16="http://schemas.microsoft.com/office/drawing/2014/main" id="{00D0EA38-30DA-3DA9-941A-A2D8094E4AE4}"/>
               </a:ext>
             </a:extLst>
           </p:cNvPr>
@@ -8486,53 +8009,18 @@
         </p:blipFill>
         <p:spPr>
           <a:xfrm>
-            <a:off x="0" y="2628986"/>
-            <a:ext cx="5750560" cy="3504496"/>
+            <a:off x="0" y="2360704"/>
+            <a:ext cx="5842000" cy="3488859"/>
           </a:xfrm>
           <a:prstGeom prst="rect">
             <a:avLst/>
           </a:prstGeom>
         </p:spPr>
       </p:pic>
-      <p:sp>
-        <p:nvSpPr>
-          <p:cNvPr id="15" name="TextBox 14">
-            <a:extLst>
-              <a:ext uri="{FF2B5EF4-FFF2-40B4-BE49-F238E27FC236}">
-                <a16:creationId xmlns:a16="http://schemas.microsoft.com/office/drawing/2014/main" id="{7C4D998F-1F34-E355-7DA5-F7140F2A9CC3}"/>
-              </a:ext>
-            </a:extLst>
-          </p:cNvPr>
-          <p:cNvSpPr txBox="1"/>
-          <p:nvPr/>
-        </p:nvSpPr>
-        <p:spPr>
-          <a:xfrm>
-            <a:off x="2817987" y="6475872"/>
-            <a:ext cx="6556026" cy="369332"/>
-          </a:xfrm>
-          <a:prstGeom prst="rect">
-            <a:avLst/>
-          </a:prstGeom>
-          <a:noFill/>
-        </p:spPr>
-        <p:txBody>
-          <a:bodyPr wrap="none" rtlCol="0">
-            <a:spAutoFit/>
-          </a:bodyPr>
-          <a:lstStyle/>
-          <a:p>
-            <a:r>
-              <a:rPr lang="en-US" dirty="0"/>
-              <a:t>Filtered for rows with &gt; 1 p &lt; 0.05 tile, * denotes CD8 TEM TRB rows</a:t>
-            </a:r>
-          </a:p>
-        </p:txBody>
-      </p:sp>
     </p:spTree>
     <p:extLst>
       <p:ext uri="{BB962C8B-B14F-4D97-AF65-F5344CB8AC3E}">
-        <p14:creationId xmlns:p14="http://schemas.microsoft.com/office/powerpoint/2010/main" val="4189438596"/>
+        <p14:creationId xmlns:p14="http://schemas.microsoft.com/office/powerpoint/2010/main" val="2255738442"/>
       </p:ext>
     </p:extLst>
   </p:cSld>
@@ -8583,118 +8071,287 @@
         </p:spPr>
         <p:txBody>
           <a:bodyPr>
-            <a:normAutofit/>
+            <a:normAutofit fontScale="90000"/>
           </a:bodyPr>
           <a:lstStyle/>
           <a:p>
             <a:r>
-              <a:rPr lang="en-US" dirty="0"/>
-              <a:t>Conclusions</a:t>
-            </a:r>
-          </a:p>
-        </p:txBody>
-      </p:sp>
-      <p:sp>
-        <p:nvSpPr>
-          <p:cNvPr id="3" name="Content Placeholder 2">
-            <a:extLst>
-              <a:ext uri="{FF2B5EF4-FFF2-40B4-BE49-F238E27FC236}">
-                <a16:creationId xmlns:a16="http://schemas.microsoft.com/office/drawing/2014/main" id="{B9501834-7B32-1ACA-4358-B630FB8EEC36}"/>
-              </a:ext>
-            </a:extLst>
-          </p:cNvPr>
-          <p:cNvSpPr>
-            <a:spLocks noGrp="1"/>
-          </p:cNvSpPr>
-          <p:nvPr>
-            <p:ph idx="1"/>
-          </p:nvPr>
+              <a:rPr lang="en-US" sz="3200" dirty="0"/>
+              <a:t>Colitis dataset: TRB </a:t>
+            </a:r>
+            <a:r>
+              <a:rPr lang="en-US" sz="3200" dirty="0" err="1"/>
+              <a:t>pgen</a:t>
+            </a:r>
+            <a:r>
+              <a:rPr lang="en-US" sz="3200" dirty="0"/>
+              <a:t> and CDR3 length differences between </a:t>
+            </a:r>
+            <a:r>
+              <a:rPr lang="en-US" sz="3200" dirty="0" err="1"/>
+              <a:t>irAE</a:t>
+            </a:r>
+            <a:r>
+              <a:rPr lang="en-US" sz="3200" dirty="0"/>
+              <a:t> groups in highly expanded CD8 TEMs apparent in left heatmap</a:t>
+            </a:r>
+          </a:p>
+        </p:txBody>
+      </p:sp>
+      <p:sp>
+        <p:nvSpPr>
+          <p:cNvPr id="6" name="TextBox 5">
+            <a:extLst>
+              <a:ext uri="{FF2B5EF4-FFF2-40B4-BE49-F238E27FC236}">
+                <a16:creationId xmlns:a16="http://schemas.microsoft.com/office/drawing/2014/main" id="{C5E997F9-73E0-70F6-C1C4-2CDB31F88B88}"/>
+              </a:ext>
+            </a:extLst>
+          </p:cNvPr>
+          <p:cNvSpPr txBox="1"/>
+          <p:nvPr/>
         </p:nvSpPr>
         <p:spPr>
           <a:xfrm>
-            <a:off x="838200" y="1919289"/>
-            <a:ext cx="10612120" cy="4623402"/>
+            <a:off x="7061751" y="2224771"/>
+            <a:ext cx="1531894" cy="369332"/>
           </a:xfrm>
+          <a:prstGeom prst="rect">
+            <a:avLst/>
+          </a:prstGeom>
+          <a:noFill/>
         </p:spPr>
         <p:txBody>
-          <a:bodyPr>
-            <a:normAutofit/>
+          <a:bodyPr wrap="none" rtlCol="0">
+            <a:spAutoFit/>
           </a:bodyPr>
           <a:lstStyle/>
           <a:p>
             <a:r>
-              <a:rPr lang="en-US" sz="2800" dirty="0"/>
-              <a:t>More proliferating T cells, fewer memory T cells (CD4 TEM, CD8 TCM), fewer MAITs in colitis </a:t>
-            </a:r>
-            <a:r>
-              <a:rPr lang="en-US" sz="2800" dirty="0" err="1"/>
-              <a:t>irAE</a:t>
-            </a:r>
-            <a:r>
-              <a:rPr lang="en-US" sz="2800" dirty="0"/>
-              <a:t> tissue</a:t>
-            </a:r>
-          </a:p>
-          <a:p>
-            <a:pPr lvl="1"/>
-            <a:r>
-              <a:rPr lang="en-US" dirty="0"/>
-              <a:t>sequence depth normalized box plots</a:t>
-            </a:r>
-          </a:p>
-          <a:p>
-            <a:pPr lvl="1"/>
-            <a:r>
               <a:rPr lang="en-US" dirty="0" err="1"/>
-              <a:t>downsampled</a:t>
-            </a:r>
-            <a:r>
-              <a:rPr lang="en-US" dirty="0"/>
-              <a:t> UMAP contour plots</a:t>
-            </a:r>
-          </a:p>
-          <a:p>
-            <a:r>
-              <a:rPr lang="en-US" dirty="0"/>
-              <a:t>Consolidated strongest feature conclusions across both datasets</a:t>
-            </a:r>
-          </a:p>
-          <a:p>
-            <a:pPr lvl="1"/>
-            <a:r>
-              <a:rPr lang="en-US" dirty="0"/>
-              <a:t>TRBs from highly expanded CD8 TEMs less germline-like in </a:t>
-            </a:r>
-            <a:r>
-              <a:rPr lang="en-US" dirty="0" err="1"/>
-              <a:t>irAE</a:t>
-            </a:r>
-            <a:r>
-              <a:rPr lang="en-US" dirty="0"/>
-              <a:t> group (in 3/4 heatmaps)</a:t>
-            </a:r>
-          </a:p>
-          <a:p>
-            <a:pPr lvl="1"/>
-            <a:r>
-              <a:rPr lang="en-US" dirty="0"/>
-              <a:t>TRB CDR3s from highly expanded CD8 TEMs longer in </a:t>
-            </a:r>
-            <a:r>
-              <a:rPr lang="en-US" dirty="0" err="1"/>
-              <a:t>irAE</a:t>
-            </a:r>
-            <a:r>
-              <a:rPr lang="en-US" dirty="0"/>
-              <a:t> group (in 1 heatmap from each dataset)</a:t>
-            </a:r>
-          </a:p>
-        </p:txBody>
-      </p:sp>
+              <a:t>Downsampled</a:t>
+            </a:r>
+            <a:endParaRPr lang="en-US" dirty="0"/>
+          </a:p>
+        </p:txBody>
+      </p:sp>
+      <p:sp>
+        <p:nvSpPr>
+          <p:cNvPr id="7" name="TextBox 6">
+            <a:extLst>
+              <a:ext uri="{FF2B5EF4-FFF2-40B4-BE49-F238E27FC236}">
+                <a16:creationId xmlns:a16="http://schemas.microsoft.com/office/drawing/2014/main" id="{4DCF4FE7-F626-52E0-5138-50BC8583940D}"/>
+              </a:ext>
+            </a:extLst>
+          </p:cNvPr>
+          <p:cNvSpPr txBox="1"/>
+          <p:nvPr/>
+        </p:nvSpPr>
+        <p:spPr>
+          <a:xfrm>
+            <a:off x="427774" y="2224771"/>
+            <a:ext cx="3267882" cy="369332"/>
+          </a:xfrm>
+          <a:prstGeom prst="rect">
+            <a:avLst/>
+          </a:prstGeom>
+          <a:noFill/>
+        </p:spPr>
+        <p:txBody>
+          <a:bodyPr wrap="none" rtlCol="0">
+            <a:spAutoFit/>
+          </a:bodyPr>
+          <a:lstStyle/>
+          <a:p>
+            <a:r>
+              <a:rPr lang="en-US" dirty="0"/>
+              <a:t>Normalized by sequencing depth</a:t>
+            </a:r>
+          </a:p>
+        </p:txBody>
+      </p:sp>
+      <p:sp>
+        <p:nvSpPr>
+          <p:cNvPr id="9" name="TextBox 8">
+            <a:extLst>
+              <a:ext uri="{FF2B5EF4-FFF2-40B4-BE49-F238E27FC236}">
+                <a16:creationId xmlns:a16="http://schemas.microsoft.com/office/drawing/2014/main" id="{986581FA-36BC-D204-DCA5-BEDFA0BFB587}"/>
+              </a:ext>
+            </a:extLst>
+          </p:cNvPr>
+          <p:cNvSpPr txBox="1"/>
+          <p:nvPr/>
+        </p:nvSpPr>
+        <p:spPr>
+          <a:xfrm>
+            <a:off x="152400" y="6146933"/>
+            <a:ext cx="2515176" cy="369332"/>
+          </a:xfrm>
+          <a:prstGeom prst="rect">
+            <a:avLst/>
+          </a:prstGeom>
+          <a:noFill/>
+        </p:spPr>
+        <p:txBody>
+          <a:bodyPr wrap="none" rtlCol="0">
+            <a:spAutoFit/>
+          </a:bodyPr>
+          <a:lstStyle/>
+          <a:p>
+            <a:r>
+              <a:rPr lang="en-US" dirty="0"/>
+              <a:t>Highly expanded ----- All</a:t>
+            </a:r>
+          </a:p>
+        </p:txBody>
+      </p:sp>
+      <p:sp>
+        <p:nvSpPr>
+          <p:cNvPr id="3" name="TextBox 2">
+            <a:extLst>
+              <a:ext uri="{FF2B5EF4-FFF2-40B4-BE49-F238E27FC236}">
+                <a16:creationId xmlns:a16="http://schemas.microsoft.com/office/drawing/2014/main" id="{3C02BB53-507D-579C-82F1-C771F13E2833}"/>
+              </a:ext>
+            </a:extLst>
+          </p:cNvPr>
+          <p:cNvSpPr txBox="1"/>
+          <p:nvPr/>
+        </p:nvSpPr>
+        <p:spPr>
+          <a:xfrm>
+            <a:off x="3008531" y="6484412"/>
+            <a:ext cx="7382653" cy="369332"/>
+          </a:xfrm>
+          <a:prstGeom prst="rect">
+            <a:avLst/>
+          </a:prstGeom>
+          <a:noFill/>
+        </p:spPr>
+        <p:txBody>
+          <a:bodyPr wrap="square" rtlCol="0">
+            <a:spAutoFit/>
+          </a:bodyPr>
+          <a:lstStyle/>
+          <a:p>
+            <a:r>
+              <a:rPr lang="en-US" dirty="0"/>
+              <a:t>Filtered for rows with &gt; 1 p &lt; 0.05 tile, </a:t>
+            </a:r>
+            <a:r>
+              <a:rPr lang="en-US" sz="1800" dirty="0">
+                <a:effectLst/>
+                <a:ea typeface="Calibri" panose="020F0502020204030204" pitchFamily="34" charset="0"/>
+                <a:cs typeface="Times New Roman" panose="02020603050405020304" pitchFamily="18" charset="0"/>
+              </a:rPr>
+              <a:t>**, p &lt;1e-2; *; p &lt;0.05</a:t>
+            </a:r>
+            <a:endParaRPr lang="en-US" sz="1800" b="0" i="0" u="none" strike="noStrike" dirty="0">
+              <a:solidFill>
+                <a:srgbClr val="212121"/>
+              </a:solidFill>
+              <a:effectLst/>
+            </a:endParaRPr>
+          </a:p>
+        </p:txBody>
+      </p:sp>
+      <p:sp>
+        <p:nvSpPr>
+          <p:cNvPr id="10" name="TextBox 9">
+            <a:extLst>
+              <a:ext uri="{FF2B5EF4-FFF2-40B4-BE49-F238E27FC236}">
+                <a16:creationId xmlns:a16="http://schemas.microsoft.com/office/drawing/2014/main" id="{F7B9FCBE-981F-EFFF-A205-61DD1D00CFA7}"/>
+              </a:ext>
+            </a:extLst>
+          </p:cNvPr>
+          <p:cNvSpPr txBox="1"/>
+          <p:nvPr/>
+        </p:nvSpPr>
+        <p:spPr>
+          <a:xfrm>
+            <a:off x="6374626" y="6133482"/>
+            <a:ext cx="2515176" cy="369332"/>
+          </a:xfrm>
+          <a:prstGeom prst="rect">
+            <a:avLst/>
+          </a:prstGeom>
+          <a:noFill/>
+        </p:spPr>
+        <p:txBody>
+          <a:bodyPr wrap="none" rtlCol="0">
+            <a:spAutoFit/>
+          </a:bodyPr>
+          <a:lstStyle/>
+          <a:p>
+            <a:r>
+              <a:rPr lang="en-US" dirty="0"/>
+              <a:t>Highly expanded ----- All</a:t>
+            </a:r>
+          </a:p>
+        </p:txBody>
+      </p:sp>
+      <p:pic>
+        <p:nvPicPr>
+          <p:cNvPr id="13" name="Picture 12">
+            <a:extLst>
+              <a:ext uri="{FF2B5EF4-FFF2-40B4-BE49-F238E27FC236}">
+                <a16:creationId xmlns:a16="http://schemas.microsoft.com/office/drawing/2014/main" id="{60E15E9B-8542-93D8-D352-299B12EB933E}"/>
+              </a:ext>
+            </a:extLst>
+          </p:cNvPr>
+          <p:cNvPicPr>
+            <a:picLocks noChangeAspect="1"/>
+          </p:cNvPicPr>
+          <p:nvPr/>
+        </p:nvPicPr>
+        <p:blipFill>
+          <a:blip r:embed="rId3"/>
+          <a:stretch>
+            <a:fillRect/>
+          </a:stretch>
+        </p:blipFill>
+        <p:spPr>
+          <a:xfrm>
+            <a:off x="0" y="2594103"/>
+            <a:ext cx="5695692" cy="3469698"/>
+          </a:xfrm>
+          <a:prstGeom prst="rect">
+            <a:avLst/>
+          </a:prstGeom>
+        </p:spPr>
+      </p:pic>
+      <p:pic>
+        <p:nvPicPr>
+          <p:cNvPr id="14" name="Picture 13">
+            <a:extLst>
+              <a:ext uri="{FF2B5EF4-FFF2-40B4-BE49-F238E27FC236}">
+                <a16:creationId xmlns:a16="http://schemas.microsoft.com/office/drawing/2014/main" id="{A62A7053-1585-D097-6F93-6988355012AE}"/>
+              </a:ext>
+            </a:extLst>
+          </p:cNvPr>
+          <p:cNvPicPr>
+            <a:picLocks noChangeAspect="1"/>
+          </p:cNvPicPr>
+          <p:nvPr/>
+        </p:nvPicPr>
+        <p:blipFill>
+          <a:blip r:embed="rId4"/>
+          <a:stretch>
+            <a:fillRect/>
+          </a:stretch>
+        </p:blipFill>
+        <p:spPr>
+          <a:xfrm>
+            <a:off x="6561626" y="2593735"/>
+            <a:ext cx="5630374" cy="3469698"/>
+          </a:xfrm>
+          <a:prstGeom prst="rect">
+            <a:avLst/>
+          </a:prstGeom>
+        </p:spPr>
+      </p:pic>
     </p:spTree>
     <p:extLst>
       <p:ext uri="{BB962C8B-B14F-4D97-AF65-F5344CB8AC3E}">
-        <p14:creationId xmlns:p14="http://schemas.microsoft.com/office/powerpoint/2010/main" val="2573542200"/>
+        <p14:creationId xmlns:p14="http://schemas.microsoft.com/office/powerpoint/2010/main" val="4189438596"/>
       </p:ext>
     </p:extLst>
   </p:cSld>
@@ -8740,7 +8397,7 @@
         <p:spPr>
           <a:xfrm>
             <a:off x="838200" y="593725"/>
-            <a:ext cx="3561080" cy="1325563"/>
+            <a:ext cx="10515600" cy="1325563"/>
           </a:xfrm>
         </p:spPr>
         <p:txBody>
@@ -8751,7 +8408,7 @@
           <a:p>
             <a:r>
               <a:rPr lang="en-US" dirty="0"/>
-              <a:t>Next steps</a:t>
+              <a:t>Conclusions</a:t>
             </a:r>
           </a:p>
         </p:txBody>
@@ -8775,54 +8432,60 @@
         <p:spPr>
           <a:xfrm>
             <a:off x="838200" y="1919289"/>
-            <a:ext cx="10215880" cy="4623402"/>
+            <a:ext cx="3337560" cy="4878539"/>
           </a:xfrm>
         </p:spPr>
         <p:txBody>
           <a:bodyPr>
-            <a:normAutofit fontScale="92500" lnSpcReduction="10000"/>
+            <a:normAutofit fontScale="70000" lnSpcReduction="20000"/>
           </a:bodyPr>
           <a:lstStyle/>
           <a:p>
             <a:r>
               <a:rPr lang="en-US" sz="2800" dirty="0"/>
-              <a:t>Heatmaps</a:t>
+              <a:t>More proliferating T cells, fewer memory T cells (CD4 TEM, CD8 TCM), fewer MAITs in </a:t>
+            </a:r>
+            <a:r>
+              <a:rPr lang="en-US" sz="2800" dirty="0" err="1"/>
+              <a:t>irAE</a:t>
+            </a:r>
+            <a:r>
+              <a:rPr lang="en-US" sz="2800" dirty="0"/>
+              <a:t> colitis tissue</a:t>
+            </a:r>
+          </a:p>
+          <a:p>
+            <a:r>
+              <a:rPr lang="en-US" dirty="0"/>
+              <a:t>Consolidated strongest feature conclusions across both datasets: TRBs from highly expanded CD8 TEMs in </a:t>
+            </a:r>
+            <a:r>
+              <a:rPr lang="en-US" dirty="0" err="1"/>
+              <a:t>irAE</a:t>
+            </a:r>
+            <a:r>
+              <a:rPr lang="en-US" dirty="0"/>
+              <a:t> group…</a:t>
             </a:r>
           </a:p>
           <a:p>
             <a:pPr lvl="1"/>
             <a:r>
               <a:rPr lang="en-US" dirty="0"/>
-              <a:t>Finer binning?</a:t>
+              <a:t>are less germline-like (in 3/4 heatmaps)</a:t>
             </a:r>
           </a:p>
           <a:p>
             <a:pPr lvl="1"/>
             <a:r>
               <a:rPr lang="en-US" dirty="0"/>
-              <a:t>Join methods (seq depth normalization, </a:t>
-            </a:r>
-            <a:r>
-              <a:rPr lang="en-US" dirty="0" err="1"/>
-              <a:t>downsampling</a:t>
-            </a:r>
-            <a:r>
-              <a:rPr lang="en-US" dirty="0"/>
-              <a:t>) and datasets to make 1 summary CD8 TEM TRB </a:t>
-            </a:r>
-            <a:r>
-              <a:rPr lang="en-US" dirty="0" err="1"/>
-              <a:t>pgen</a:t>
-            </a:r>
-            <a:r>
-              <a:rPr lang="en-US" dirty="0"/>
-              <a:t> &amp; CDR3 length heatmap</a:t>
-            </a:r>
-          </a:p>
-          <a:p>
-            <a:r>
-              <a:rPr lang="en-US" dirty="0"/>
-              <a:t>Investigate donors/CDR3 (AA) vs. donors/CDR3 (</a:t>
+              <a:t>have longer CDR3s (in 1 heatmap from each dataset)</a:t>
+            </a:r>
+          </a:p>
+          <a:p>
+            <a:r>
+              <a:rPr lang="en-US" dirty="0"/>
+              <a:t>donors/CDR3 (AA) vs. donors/CDR3 (</a:t>
             </a:r>
             <a:r>
               <a:rPr lang="en-US" dirty="0" err="1"/>
@@ -8830,14 +8493,7 @@
             </a:r>
             <a:r>
               <a:rPr lang="en-US" dirty="0"/>
-              <a:t>) plot</a:t>
-            </a:r>
-          </a:p>
-          <a:p>
-            <a:pPr lvl="1"/>
-            <a:r>
-              <a:rPr lang="en-US" dirty="0"/>
-              <a:t>I think +/- </a:t>
+              <a:t>) plot difference by </a:t>
             </a:r>
             <a:r>
               <a:rPr lang="en-US" dirty="0" err="1"/>
@@ -8845,67 +8501,108 @@
             </a:r>
             <a:r>
               <a:rPr lang="en-US" dirty="0"/>
-              <a:t> effect difference was an artifact of an erroneous grouping/slicing I did</a:t>
-            </a:r>
-          </a:p>
-          <a:p>
-            <a:r>
-              <a:rPr lang="en-US" dirty="0"/>
-              <a:t>JC prep</a:t>
-            </a:r>
-          </a:p>
-          <a:p>
-            <a:pPr lvl="1"/>
-            <a:r>
-              <a:rPr lang="en-US" dirty="0"/>
-              <a:t>use </a:t>
+              <a:t> </a:t>
             </a:r>
             <a:r>
               <a:rPr lang="en-US" dirty="0" err="1"/>
-              <a:t>RNAseq</a:t>
-            </a:r>
-            <a:r>
-              <a:rPr lang="en-US" dirty="0"/>
-              <a:t> to call TCR clonotypes, although only captures top clonotypes</a:t>
-            </a:r>
-          </a:p>
-          <a:p>
-            <a:pPr lvl="1"/>
-            <a:r>
-              <a:rPr lang="en-US" dirty="0"/>
-              <a:t>could open up more datasets for me to mine…</a:t>
-            </a:r>
-          </a:p>
-          <a:p>
-            <a:r>
-              <a:rPr lang="en-US" dirty="0"/>
-              <a:t>Prepare for…</a:t>
-            </a:r>
-          </a:p>
-          <a:p>
-            <a:pPr lvl="1"/>
-            <a:r>
-              <a:rPr lang="en-US" dirty="0" err="1"/>
-              <a:t>ATACseq</a:t>
-            </a:r>
-            <a:r>
-              <a:rPr lang="en-US" dirty="0"/>
-              <a:t> data</a:t>
-            </a:r>
-          </a:p>
-          <a:p>
-            <a:pPr lvl="1"/>
-            <a:r>
-              <a:rPr lang="en-US" dirty="0"/>
-              <a:t>2/1 SI talk</a:t>
-            </a:r>
+              <a:t>groupin</a:t>
+            </a:r>
+            <a:r>
+              <a:rPr lang="en-US" dirty="0"/>
+              <a:t> colitis dataset was an artifact of erroneous grouping/slicing (data not shown)</a:t>
+            </a:r>
+          </a:p>
+        </p:txBody>
+      </p:sp>
+      <p:pic>
+        <p:nvPicPr>
+          <p:cNvPr id="5" name="Picture 4">
+            <a:extLst>
+              <a:ext uri="{FF2B5EF4-FFF2-40B4-BE49-F238E27FC236}">
+                <a16:creationId xmlns:a16="http://schemas.microsoft.com/office/drawing/2014/main" id="{8D8088AB-6107-396E-FD17-FEA302DDEAE1}"/>
+              </a:ext>
+            </a:extLst>
+          </p:cNvPr>
+          <p:cNvPicPr>
+            <a:picLocks noChangeAspect="1"/>
+          </p:cNvPicPr>
+          <p:nvPr/>
+        </p:nvPicPr>
+        <p:blipFill>
+          <a:blip r:embed="rId3"/>
+          <a:stretch>
+            <a:fillRect/>
+          </a:stretch>
+        </p:blipFill>
+        <p:spPr>
+          <a:xfrm>
+            <a:off x="4175760" y="1071010"/>
+            <a:ext cx="7772400" cy="4878539"/>
+          </a:xfrm>
+          <a:prstGeom prst="rect">
+            <a:avLst/>
+          </a:prstGeom>
+        </p:spPr>
+      </p:pic>
+      <p:sp>
+        <p:nvSpPr>
+          <p:cNvPr id="6" name="TextBox 5">
+            <a:extLst>
+              <a:ext uri="{FF2B5EF4-FFF2-40B4-BE49-F238E27FC236}">
+                <a16:creationId xmlns:a16="http://schemas.microsoft.com/office/drawing/2014/main" id="{C93B6811-17F9-3A7A-E7E4-4EA3C976E909}"/>
+              </a:ext>
+            </a:extLst>
+          </p:cNvPr>
+          <p:cNvSpPr txBox="1"/>
+          <p:nvPr/>
+        </p:nvSpPr>
+        <p:spPr>
+          <a:xfrm>
+            <a:off x="5462065" y="6388802"/>
+            <a:ext cx="2690417" cy="307777"/>
+          </a:xfrm>
+          <a:prstGeom prst="rect">
+            <a:avLst/>
+          </a:prstGeom>
+          <a:noFill/>
+        </p:spPr>
+        <p:txBody>
+          <a:bodyPr wrap="none" rtlCol="0">
+            <a:spAutoFit/>
+          </a:bodyPr>
+          <a:lstStyle/>
+          <a:p>
+            <a:r>
+              <a:rPr lang="en-US" sz="1400" dirty="0"/>
+              <a:t>Wilcoxon rank sum test.</a:t>
+            </a:r>
+            <a:r>
+              <a:rPr lang="en-US" sz="1400" dirty="0">
+                <a:cs typeface="Times New Roman" panose="02020603050405020304" pitchFamily="18" charset="0"/>
+              </a:rPr>
+              <a:t> </a:t>
+            </a:r>
+            <a:r>
+              <a:rPr lang="en-US" sz="1400" dirty="0">
+                <a:effectLst/>
+                <a:ea typeface="Calibri" panose="020F0502020204030204" pitchFamily="34" charset="0"/>
+                <a:cs typeface="Times New Roman" panose="02020603050405020304" pitchFamily="18" charset="0"/>
+              </a:rPr>
+              <a:t>*; p &lt;0.05</a:t>
+            </a:r>
+            <a:endParaRPr lang="en-US" sz="1400" b="0" i="0" u="none" strike="noStrike" dirty="0">
+              <a:solidFill>
+                <a:srgbClr val="212121"/>
+              </a:solidFill>
+              <a:effectLst/>
+            </a:endParaRPr>
           </a:p>
         </p:txBody>
       </p:sp>
     </p:spTree>
     <p:extLst>
       <p:ext uri="{BB962C8B-B14F-4D97-AF65-F5344CB8AC3E}">
-        <p14:creationId xmlns:p14="http://schemas.microsoft.com/office/powerpoint/2010/main" val="1759230395"/>
+        <p14:creationId xmlns:p14="http://schemas.microsoft.com/office/powerpoint/2010/main" val="2573542200"/>
       </p:ext>
     </p:extLst>
   </p:cSld>

--- a/linsley_postdoc/presentations/weekly_meetings/1_10_24.pptx
+++ b/linsley_postdoc/presentations/weekly_meetings/1_10_24.pptx
@@ -8348,6 +8348,64 @@
           </a:prstGeom>
         </p:spPr>
       </p:pic>
+      <p:sp>
+        <p:nvSpPr>
+          <p:cNvPr id="4" name="TextBox 3">
+            <a:extLst>
+              <a:ext uri="{FF2B5EF4-FFF2-40B4-BE49-F238E27FC236}">
+                <a16:creationId xmlns:a16="http://schemas.microsoft.com/office/drawing/2014/main" id="{C8809062-065E-81FF-82A5-C0CC8AE32B6E}"/>
+              </a:ext>
+            </a:extLst>
+          </p:cNvPr>
+          <p:cNvSpPr txBox="1"/>
+          <p:nvPr/>
+        </p:nvSpPr>
+        <p:spPr>
+          <a:xfrm>
+            <a:off x="3439489" y="4554621"/>
+            <a:ext cx="3122137" cy="1169551"/>
+          </a:xfrm>
+          <a:prstGeom prst="rect">
+            <a:avLst/>
+          </a:prstGeom>
+          <a:noFill/>
+        </p:spPr>
+        <p:txBody>
+          <a:bodyPr wrap="none" rtlCol="0">
+            <a:spAutoFit/>
+          </a:bodyPr>
+          <a:lstStyle/>
+          <a:p>
+            <a:r>
+              <a:rPr lang="en-US" sz="2000" dirty="0">
+                <a:effectLst/>
+              </a:rPr>
+              <a:t>CD4 TEM TRB CDR3 length</a:t>
+            </a:r>
+          </a:p>
+          <a:p>
+            <a:pPr lvl="1"/>
+            <a:r>
+              <a:rPr lang="en-US" sz="1600" dirty="0">
+                <a:effectLst/>
+              </a:rPr>
+              <a:t>Colitis down: 10-40%, 70-80%</a:t>
+            </a:r>
+          </a:p>
+          <a:p>
+            <a:pPr lvl="1"/>
+            <a:r>
+              <a:rPr lang="en-US" sz="1600" dirty="0">
+                <a:effectLst/>
+              </a:rPr>
+              <a:t>Colitis norm: 30, 70%</a:t>
+            </a:r>
+          </a:p>
+          <a:p>
+            <a:endParaRPr lang="en-US" dirty="0"/>
+          </a:p>
+        </p:txBody>
+      </p:sp>
     </p:spTree>
     <p:extLst>
       <p:ext uri="{BB962C8B-B14F-4D97-AF65-F5344CB8AC3E}">
